--- a/lecture/Lecture11.pptx
+++ b/lecture/Lecture11.pptx
@@ -28,6 +28,14 @@
     <p:sldId id="273" r:id="rId23"/>
     <p:sldId id="274" r:id="rId24"/>
     <p:sldId id="275" r:id="rId25"/>
+    <p:sldId id="276" r:id="rId26"/>
+    <p:sldId id="277" r:id="rId27"/>
+    <p:sldId id="278" r:id="rId28"/>
+    <p:sldId id="279" r:id="rId29"/>
+    <p:sldId id="280" r:id="rId30"/>
+    <p:sldId id="281" r:id="rId31"/>
+    <p:sldId id="282" r:id="rId32"/>
+    <p:sldId id="283" r:id="rId33"/>
   </p:sldIdLst>
   <p:sldSz cy="5143500" cx="9144000"/>
   <p:notesSz cx="6858000" cy="9144000"/>
@@ -823,7 +831,7 @@
       </p:grpSpPr>
       <p:sp>
         <p:nvSpPr>
-          <p:cNvPr id="105" name="Google Shape;105;ga84ec43ac3_0_10:notes"/>
+          <p:cNvPr id="105" name="Google Shape;105;g104a1843f24_1_130:notes"/>
           <p:cNvSpPr/>
           <p:nvPr>
             <p:ph idx="2" type="sldImg"/>
@@ -858,7 +866,7 @@
       </p:sp>
       <p:sp>
         <p:nvSpPr>
-          <p:cNvPr id="106" name="Google Shape;106;ga84ec43ac3_0_10:notes"/>
+          <p:cNvPr id="106" name="Google Shape;106;g104a1843f24_1_130:notes"/>
           <p:cNvSpPr txBox="1"/>
           <p:nvPr>
             <p:ph idx="1" type="body"/>
@@ -922,7 +930,7 @@
       </p:grpSpPr>
       <p:sp>
         <p:nvSpPr>
-          <p:cNvPr id="111" name="Google Shape;111;ga84ec43ac3_0_15:notes"/>
+          <p:cNvPr id="111" name="Google Shape;111;ga84ec43ac3_0_65:notes"/>
           <p:cNvSpPr/>
           <p:nvPr>
             <p:ph idx="2" type="sldImg"/>
@@ -957,7 +965,7 @@
       </p:sp>
       <p:sp>
         <p:nvSpPr>
-          <p:cNvPr id="112" name="Google Shape;112;ga84ec43ac3_0_15:notes"/>
+          <p:cNvPr id="112" name="Google Shape;112;ga84ec43ac3_0_65:notes"/>
           <p:cNvSpPr txBox="1"/>
           <p:nvPr>
             <p:ph idx="1" type="body"/>
@@ -1007,7 +1015,7 @@
   <p:cSld>
     <p:spTree>
       <p:nvGrpSpPr>
-        <p:cNvPr id="117" name="Shape 117"/>
+        <p:cNvPr id="116" name="Shape 116"/>
         <p:cNvGrpSpPr/>
         <p:nvPr/>
       </p:nvGrpSpPr>
@@ -1021,7 +1029,7 @@
       </p:grpSpPr>
       <p:sp>
         <p:nvSpPr>
-          <p:cNvPr id="118" name="Google Shape;118;ga84ec43ac3_0_20:notes"/>
+          <p:cNvPr id="117" name="Google Shape;117;ga84ec43ac3_0_72:notes"/>
           <p:cNvSpPr/>
           <p:nvPr>
             <p:ph idx="2" type="sldImg"/>
@@ -1056,7 +1064,7 @@
       </p:sp>
       <p:sp>
         <p:nvSpPr>
-          <p:cNvPr id="119" name="Google Shape;119;ga84ec43ac3_0_20:notes"/>
+          <p:cNvPr id="118" name="Google Shape;118;ga84ec43ac3_0_72:notes"/>
           <p:cNvSpPr txBox="1"/>
           <p:nvPr>
             <p:ph idx="1" type="body"/>
@@ -1106,7 +1114,7 @@
   <p:cSld>
     <p:spTree>
       <p:nvGrpSpPr>
-        <p:cNvPr id="123" name="Shape 123"/>
+        <p:cNvPr id="122" name="Shape 122"/>
         <p:cNvGrpSpPr/>
         <p:nvPr/>
       </p:nvGrpSpPr>
@@ -1120,7 +1128,7 @@
       </p:grpSpPr>
       <p:sp>
         <p:nvSpPr>
-          <p:cNvPr id="124" name="Google Shape;124;ga84ec43ac3_0_25:notes"/>
+          <p:cNvPr id="123" name="Google Shape;123;g104a1843f24_1_118:notes"/>
           <p:cNvSpPr/>
           <p:nvPr>
             <p:ph idx="2" type="sldImg"/>
@@ -1155,7 +1163,7 @@
       </p:sp>
       <p:sp>
         <p:nvSpPr>
-          <p:cNvPr id="125" name="Google Shape;125;ga84ec43ac3_0_25:notes"/>
+          <p:cNvPr id="124" name="Google Shape;124;g104a1843f24_1_118:notes"/>
           <p:cNvSpPr txBox="1"/>
           <p:nvPr>
             <p:ph idx="1" type="body"/>
@@ -1205,7 +1213,7 @@
   <p:cSld>
     <p:spTree>
       <p:nvGrpSpPr>
-        <p:cNvPr id="130" name="Shape 130"/>
+        <p:cNvPr id="129" name="Shape 129"/>
         <p:cNvGrpSpPr/>
         <p:nvPr/>
       </p:nvGrpSpPr>
@@ -1219,7 +1227,7 @@
       </p:grpSpPr>
       <p:sp>
         <p:nvSpPr>
-          <p:cNvPr id="131" name="Google Shape;131;ga84ec43ac3_0_30:notes"/>
+          <p:cNvPr id="130" name="Google Shape;130;g104a1843f24_1_136:notes"/>
           <p:cNvSpPr/>
           <p:nvPr>
             <p:ph idx="2" type="sldImg"/>
@@ -1254,7 +1262,7 @@
       </p:sp>
       <p:sp>
         <p:nvSpPr>
-          <p:cNvPr id="132" name="Google Shape;132;ga84ec43ac3_0_30:notes"/>
+          <p:cNvPr id="131" name="Google Shape;131;g104a1843f24_1_136:notes"/>
           <p:cNvSpPr txBox="1"/>
           <p:nvPr>
             <p:ph idx="1" type="body"/>
@@ -1304,7 +1312,7 @@
   <p:cSld>
     <p:spTree>
       <p:nvGrpSpPr>
-        <p:cNvPr id="136" name="Shape 136"/>
+        <p:cNvPr id="135" name="Shape 135"/>
         <p:cNvGrpSpPr/>
         <p:nvPr/>
       </p:nvGrpSpPr>
@@ -1318,7 +1326,7 @@
       </p:grpSpPr>
       <p:sp>
         <p:nvSpPr>
-          <p:cNvPr id="137" name="Google Shape;137;ga84ec43ac3_0_65:notes"/>
+          <p:cNvPr id="136" name="Google Shape;136;ga84ec43ac3_0_46:notes"/>
           <p:cNvSpPr/>
           <p:nvPr>
             <p:ph idx="2" type="sldImg"/>
@@ -1353,7 +1361,7 @@
       </p:sp>
       <p:sp>
         <p:nvSpPr>
-          <p:cNvPr id="138" name="Google Shape;138;ga84ec43ac3_0_65:notes"/>
+          <p:cNvPr id="137" name="Google Shape;137;ga84ec43ac3_0_46:notes"/>
           <p:cNvSpPr txBox="1"/>
           <p:nvPr>
             <p:ph idx="1" type="body"/>
@@ -1403,7 +1411,7 @@
   <p:cSld>
     <p:spTree>
       <p:nvGrpSpPr>
-        <p:cNvPr id="142" name="Shape 142"/>
+        <p:cNvPr id="141" name="Shape 141"/>
         <p:cNvGrpSpPr/>
         <p:nvPr/>
       </p:nvGrpSpPr>
@@ -1417,7 +1425,7 @@
       </p:grpSpPr>
       <p:sp>
         <p:nvSpPr>
-          <p:cNvPr id="143" name="Google Shape;143;ga84ec43ac3_0_72:notes"/>
+          <p:cNvPr id="142" name="Google Shape;142;g104a1843f24_1_144:notes"/>
           <p:cNvSpPr/>
           <p:nvPr>
             <p:ph idx="2" type="sldImg"/>
@@ -1452,7 +1460,7 @@
       </p:sp>
       <p:sp>
         <p:nvSpPr>
-          <p:cNvPr id="144" name="Google Shape;144;ga84ec43ac3_0_72:notes"/>
+          <p:cNvPr id="143" name="Google Shape;143;g104a1843f24_1_144:notes"/>
           <p:cNvSpPr txBox="1"/>
           <p:nvPr>
             <p:ph idx="1" type="body"/>
@@ -1516,7 +1524,7 @@
       </p:grpSpPr>
       <p:sp>
         <p:nvSpPr>
-          <p:cNvPr id="149" name="Google Shape;149;ga84ec43ac3_0_46:notes"/>
+          <p:cNvPr id="149" name="Google Shape;149;ga84ec43ac3_0_51:notes"/>
           <p:cNvSpPr/>
           <p:nvPr>
             <p:ph idx="2" type="sldImg"/>
@@ -1551,7 +1559,7 @@
       </p:sp>
       <p:sp>
         <p:nvSpPr>
-          <p:cNvPr id="150" name="Google Shape;150;ga84ec43ac3_0_46:notes"/>
+          <p:cNvPr id="150" name="Google Shape;150;ga84ec43ac3_0_51:notes"/>
           <p:cNvSpPr txBox="1"/>
           <p:nvPr>
             <p:ph idx="1" type="body"/>
@@ -1601,7 +1609,7 @@
   <p:cSld>
     <p:spTree>
       <p:nvGrpSpPr>
-        <p:cNvPr id="154" name="Shape 154"/>
+        <p:cNvPr id="155" name="Shape 155"/>
         <p:cNvGrpSpPr/>
         <p:nvPr/>
       </p:nvGrpSpPr>
@@ -1615,7 +1623,7 @@
       </p:grpSpPr>
       <p:sp>
         <p:nvSpPr>
-          <p:cNvPr id="155" name="Google Shape;155;ga84ec43ac3_0_51:notes"/>
+          <p:cNvPr id="156" name="Google Shape;156;ga84ec43ac3_0_56:notes"/>
           <p:cNvSpPr/>
           <p:nvPr>
             <p:ph idx="2" type="sldImg"/>
@@ -1650,7 +1658,7 @@
       </p:sp>
       <p:sp>
         <p:nvSpPr>
-          <p:cNvPr id="156" name="Google Shape;156;ga84ec43ac3_0_51:notes"/>
+          <p:cNvPr id="157" name="Google Shape;157;ga84ec43ac3_0_56:notes"/>
           <p:cNvSpPr txBox="1"/>
           <p:nvPr>
             <p:ph idx="1" type="body"/>
@@ -1714,7 +1722,7 @@
       </p:grpSpPr>
       <p:sp>
         <p:nvSpPr>
-          <p:cNvPr id="162" name="Google Shape;162;ga84ec43ac3_0_56:notes"/>
+          <p:cNvPr id="162" name="Google Shape;162;g104a1843f24_1_0:notes"/>
           <p:cNvSpPr/>
           <p:nvPr>
             <p:ph idx="2" type="sldImg"/>
@@ -1749,7 +1757,7 @@
       </p:sp>
       <p:sp>
         <p:nvSpPr>
-          <p:cNvPr id="163" name="Google Shape;163;ga84ec43ac3_0_56:notes"/>
+          <p:cNvPr id="163" name="Google Shape;163;g104a1843f24_1_0:notes"/>
           <p:cNvSpPr txBox="1"/>
           <p:nvPr>
             <p:ph idx="1" type="body"/>
@@ -1898,7 +1906,7 @@
   <p:cSld>
     <p:spTree>
       <p:nvGrpSpPr>
-        <p:cNvPr id="167" name="Shape 167"/>
+        <p:cNvPr id="168" name="Shape 168"/>
         <p:cNvGrpSpPr/>
         <p:nvPr/>
       </p:nvGrpSpPr>
@@ -1912,7 +1920,7 @@
       </p:grpSpPr>
       <p:sp>
         <p:nvSpPr>
-          <p:cNvPr id="168" name="Google Shape;168;ga84ec43ac3_0_92:notes"/>
+          <p:cNvPr id="169" name="Google Shape;169;g104a1843f24_1_5:notes"/>
           <p:cNvSpPr/>
           <p:nvPr>
             <p:ph idx="2" type="sldImg"/>
@@ -1947,7 +1955,799 @@
       </p:sp>
       <p:sp>
         <p:nvSpPr>
-          <p:cNvPr id="169" name="Google Shape;169;ga84ec43ac3_0_92:notes"/>
+          <p:cNvPr id="170" name="Google Shape;170;g104a1843f24_1_5:notes"/>
+          <p:cNvSpPr txBox="1"/>
+          <p:nvPr>
+            <p:ph idx="1" type="body"/>
+          </p:nvPr>
+        </p:nvSpPr>
+        <p:spPr>
+          <a:xfrm>
+            <a:off x="685800" y="4343400"/>
+            <a:ext cx="5486400" cy="4114800"/>
+          </a:xfrm>
+          <a:prstGeom prst="rect">
+            <a:avLst/>
+          </a:prstGeom>
+        </p:spPr>
+        <p:txBody>
+          <a:bodyPr anchorCtr="0" anchor="t" bIns="91425" lIns="91425" spcFirstLastPara="1" rIns="91425" wrap="square" tIns="91425">
+            <a:noAutofit/>
+          </a:bodyPr>
+          <a:lstStyle/>
+          <a:p>
+            <a:pPr indent="0" lvl="0" marL="0" rtl="0" algn="l">
+              <a:spcBef>
+                <a:spcPts val="0"/>
+              </a:spcBef>
+              <a:spcAft>
+                <a:spcPts val="0"/>
+              </a:spcAft>
+              <a:buNone/>
+            </a:pPr>
+            <a:r>
+              <a:t/>
+            </a:r>
+            <a:endParaRPr/>
+          </a:p>
+        </p:txBody>
+      </p:sp>
+    </p:spTree>
+  </p:cSld>
+  <p:clrMapOvr>
+    <a:masterClrMapping/>
+  </p:clrMapOvr>
+</p:notes>
+</file>
+
+<file path=ppt/notesSlides/notesSlide21.xml><?xml version="1.0" encoding="utf-8"?>
+<p:notes xmlns:a="http://schemas.openxmlformats.org/drawingml/2006/main" xmlns:r="http://schemas.openxmlformats.org/officeDocument/2006/relationships" xmlns:mc="http://schemas.openxmlformats.org/markup-compatibility/2006" xmlns:mv="urn:schemas-microsoft-com:mac:vml" xmlns:p="http://schemas.openxmlformats.org/presentationml/2006/main" xmlns:c="http://schemas.openxmlformats.org/drawingml/2006/chart" xmlns:dgm="http://schemas.openxmlformats.org/drawingml/2006/diagram" xmlns:o="urn:schemas-microsoft-com:office:office" xmlns:v="urn:schemas-microsoft-com:vml" xmlns:pvml="urn:schemas-microsoft-com:office:powerpoint" xmlns:com="http://schemas.openxmlformats.org/drawingml/2006/compatibility" xmlns:p14="http://schemas.microsoft.com/office/powerpoint/2010/main" xmlns:p15="http://schemas.microsoft.com/office/powerpoint/2012/main" xmlns:ahyp="http://schemas.microsoft.com/office/drawing/2018/hyperlinkcolor" showMasterPhAnim="0" showMasterSp="0">
+  <p:cSld>
+    <p:spTree>
+      <p:nvGrpSpPr>
+        <p:cNvPr id="175" name="Shape 175"/>
+        <p:cNvGrpSpPr/>
+        <p:nvPr/>
+      </p:nvGrpSpPr>
+      <p:grpSpPr>
+        <a:xfrm>
+          <a:off x="0" y="0"/>
+          <a:ext cx="0" cy="0"/>
+          <a:chOff x="0" y="0"/>
+          <a:chExt cx="0" cy="0"/>
+        </a:xfrm>
+      </p:grpSpPr>
+      <p:sp>
+        <p:nvSpPr>
+          <p:cNvPr id="176" name="Google Shape;176;g104a1843f24_1_11:notes"/>
+          <p:cNvSpPr/>
+          <p:nvPr>
+            <p:ph idx="2" type="sldImg"/>
+          </p:nvPr>
+        </p:nvSpPr>
+        <p:spPr>
+          <a:xfrm>
+            <a:off x="381300" y="685800"/>
+            <a:ext cx="6096000" cy="3429000"/>
+          </a:xfrm>
+          <a:custGeom>
+            <a:rect b="b" l="l" r="r" t="t"/>
+            <a:pathLst>
+              <a:path extrusionOk="0" h="120000" w="120000">
+                <a:moveTo>
+                  <a:pt x="0" y="0"/>
+                </a:moveTo>
+                <a:lnTo>
+                  <a:pt x="120000" y="0"/>
+                </a:lnTo>
+                <a:lnTo>
+                  <a:pt x="120000" y="120000"/>
+                </a:lnTo>
+                <a:lnTo>
+                  <a:pt x="0" y="120000"/>
+                </a:lnTo>
+                <a:close/>
+              </a:path>
+            </a:pathLst>
+          </a:custGeom>
+        </p:spPr>
+      </p:sp>
+      <p:sp>
+        <p:nvSpPr>
+          <p:cNvPr id="177" name="Google Shape;177;g104a1843f24_1_11:notes"/>
+          <p:cNvSpPr txBox="1"/>
+          <p:nvPr>
+            <p:ph idx="1" type="body"/>
+          </p:nvPr>
+        </p:nvSpPr>
+        <p:spPr>
+          <a:xfrm>
+            <a:off x="685800" y="4343400"/>
+            <a:ext cx="5486400" cy="4114800"/>
+          </a:xfrm>
+          <a:prstGeom prst="rect">
+            <a:avLst/>
+          </a:prstGeom>
+        </p:spPr>
+        <p:txBody>
+          <a:bodyPr anchorCtr="0" anchor="t" bIns="91425" lIns="91425" spcFirstLastPara="1" rIns="91425" wrap="square" tIns="91425">
+            <a:noAutofit/>
+          </a:bodyPr>
+          <a:lstStyle/>
+          <a:p>
+            <a:pPr indent="0" lvl="0" marL="0" rtl="0" algn="l">
+              <a:spcBef>
+                <a:spcPts val="0"/>
+              </a:spcBef>
+              <a:spcAft>
+                <a:spcPts val="0"/>
+              </a:spcAft>
+              <a:buNone/>
+            </a:pPr>
+            <a:r>
+              <a:t/>
+            </a:r>
+            <a:endParaRPr/>
+          </a:p>
+        </p:txBody>
+      </p:sp>
+    </p:spTree>
+  </p:cSld>
+  <p:clrMapOvr>
+    <a:masterClrMapping/>
+  </p:clrMapOvr>
+</p:notes>
+</file>
+
+<file path=ppt/notesSlides/notesSlide22.xml><?xml version="1.0" encoding="utf-8"?>
+<p:notes xmlns:a="http://schemas.openxmlformats.org/drawingml/2006/main" xmlns:r="http://schemas.openxmlformats.org/officeDocument/2006/relationships" xmlns:mc="http://schemas.openxmlformats.org/markup-compatibility/2006" xmlns:mv="urn:schemas-microsoft-com:mac:vml" xmlns:p="http://schemas.openxmlformats.org/presentationml/2006/main" xmlns:c="http://schemas.openxmlformats.org/drawingml/2006/chart" xmlns:dgm="http://schemas.openxmlformats.org/drawingml/2006/diagram" xmlns:o="urn:schemas-microsoft-com:office:office" xmlns:v="urn:schemas-microsoft-com:vml" xmlns:pvml="urn:schemas-microsoft-com:office:powerpoint" xmlns:com="http://schemas.openxmlformats.org/drawingml/2006/compatibility" xmlns:p14="http://schemas.microsoft.com/office/powerpoint/2010/main" xmlns:p15="http://schemas.microsoft.com/office/powerpoint/2012/main" xmlns:ahyp="http://schemas.microsoft.com/office/drawing/2018/hyperlinkcolor" showMasterPhAnim="0" showMasterSp="0">
+  <p:cSld>
+    <p:spTree>
+      <p:nvGrpSpPr>
+        <p:cNvPr id="183" name="Shape 183"/>
+        <p:cNvGrpSpPr/>
+        <p:nvPr/>
+      </p:nvGrpSpPr>
+      <p:grpSpPr>
+        <a:xfrm>
+          <a:off x="0" y="0"/>
+          <a:ext cx="0" cy="0"/>
+          <a:chOff x="0" y="0"/>
+          <a:chExt cx="0" cy="0"/>
+        </a:xfrm>
+      </p:grpSpPr>
+      <p:sp>
+        <p:nvSpPr>
+          <p:cNvPr id="184" name="Google Shape;184;g104a1843f24_1_18:notes"/>
+          <p:cNvSpPr/>
+          <p:nvPr>
+            <p:ph idx="2" type="sldImg"/>
+          </p:nvPr>
+        </p:nvSpPr>
+        <p:spPr>
+          <a:xfrm>
+            <a:off x="381300" y="685800"/>
+            <a:ext cx="6096000" cy="3429000"/>
+          </a:xfrm>
+          <a:custGeom>
+            <a:rect b="b" l="l" r="r" t="t"/>
+            <a:pathLst>
+              <a:path extrusionOk="0" h="120000" w="120000">
+                <a:moveTo>
+                  <a:pt x="0" y="0"/>
+                </a:moveTo>
+                <a:lnTo>
+                  <a:pt x="120000" y="0"/>
+                </a:lnTo>
+                <a:lnTo>
+                  <a:pt x="120000" y="120000"/>
+                </a:lnTo>
+                <a:lnTo>
+                  <a:pt x="0" y="120000"/>
+                </a:lnTo>
+                <a:close/>
+              </a:path>
+            </a:pathLst>
+          </a:custGeom>
+        </p:spPr>
+      </p:sp>
+      <p:sp>
+        <p:nvSpPr>
+          <p:cNvPr id="185" name="Google Shape;185;g104a1843f24_1_18:notes"/>
+          <p:cNvSpPr txBox="1"/>
+          <p:nvPr>
+            <p:ph idx="1" type="body"/>
+          </p:nvPr>
+        </p:nvSpPr>
+        <p:spPr>
+          <a:xfrm>
+            <a:off x="685800" y="4343400"/>
+            <a:ext cx="5486400" cy="4114800"/>
+          </a:xfrm>
+          <a:prstGeom prst="rect">
+            <a:avLst/>
+          </a:prstGeom>
+        </p:spPr>
+        <p:txBody>
+          <a:bodyPr anchorCtr="0" anchor="t" bIns="91425" lIns="91425" spcFirstLastPara="1" rIns="91425" wrap="square" tIns="91425">
+            <a:noAutofit/>
+          </a:bodyPr>
+          <a:lstStyle/>
+          <a:p>
+            <a:pPr indent="0" lvl="0" marL="0" rtl="0" algn="l">
+              <a:spcBef>
+                <a:spcPts val="0"/>
+              </a:spcBef>
+              <a:spcAft>
+                <a:spcPts val="0"/>
+              </a:spcAft>
+              <a:buNone/>
+            </a:pPr>
+            <a:r>
+              <a:t/>
+            </a:r>
+            <a:endParaRPr/>
+          </a:p>
+        </p:txBody>
+      </p:sp>
+    </p:spTree>
+  </p:cSld>
+  <p:clrMapOvr>
+    <a:masterClrMapping/>
+  </p:clrMapOvr>
+</p:notes>
+</file>
+
+<file path=ppt/notesSlides/notesSlide23.xml><?xml version="1.0" encoding="utf-8"?>
+<p:notes xmlns:a="http://schemas.openxmlformats.org/drawingml/2006/main" xmlns:r="http://schemas.openxmlformats.org/officeDocument/2006/relationships" xmlns:mc="http://schemas.openxmlformats.org/markup-compatibility/2006" xmlns:mv="urn:schemas-microsoft-com:mac:vml" xmlns:p="http://schemas.openxmlformats.org/presentationml/2006/main" xmlns:c="http://schemas.openxmlformats.org/drawingml/2006/chart" xmlns:dgm="http://schemas.openxmlformats.org/drawingml/2006/diagram" xmlns:o="urn:schemas-microsoft-com:office:office" xmlns:v="urn:schemas-microsoft-com:vml" xmlns:pvml="urn:schemas-microsoft-com:office:powerpoint" xmlns:com="http://schemas.openxmlformats.org/drawingml/2006/compatibility" xmlns:p14="http://schemas.microsoft.com/office/powerpoint/2010/main" xmlns:p15="http://schemas.microsoft.com/office/powerpoint/2012/main" xmlns:ahyp="http://schemas.microsoft.com/office/drawing/2018/hyperlinkcolor" showMasterPhAnim="0" showMasterSp="0">
+  <p:cSld>
+    <p:spTree>
+      <p:nvGrpSpPr>
+        <p:cNvPr id="190" name="Shape 190"/>
+        <p:cNvGrpSpPr/>
+        <p:nvPr/>
+      </p:nvGrpSpPr>
+      <p:grpSpPr>
+        <a:xfrm>
+          <a:off x="0" y="0"/>
+          <a:ext cx="0" cy="0"/>
+          <a:chOff x="0" y="0"/>
+          <a:chExt cx="0" cy="0"/>
+        </a:xfrm>
+      </p:grpSpPr>
+      <p:sp>
+        <p:nvSpPr>
+          <p:cNvPr id="191" name="Google Shape;191;g104a1843f24_1_24:notes"/>
+          <p:cNvSpPr/>
+          <p:nvPr>
+            <p:ph idx="2" type="sldImg"/>
+          </p:nvPr>
+        </p:nvSpPr>
+        <p:spPr>
+          <a:xfrm>
+            <a:off x="381300" y="685800"/>
+            <a:ext cx="6096000" cy="3429000"/>
+          </a:xfrm>
+          <a:custGeom>
+            <a:rect b="b" l="l" r="r" t="t"/>
+            <a:pathLst>
+              <a:path extrusionOk="0" h="120000" w="120000">
+                <a:moveTo>
+                  <a:pt x="0" y="0"/>
+                </a:moveTo>
+                <a:lnTo>
+                  <a:pt x="120000" y="0"/>
+                </a:lnTo>
+                <a:lnTo>
+                  <a:pt x="120000" y="120000"/>
+                </a:lnTo>
+                <a:lnTo>
+                  <a:pt x="0" y="120000"/>
+                </a:lnTo>
+                <a:close/>
+              </a:path>
+            </a:pathLst>
+          </a:custGeom>
+        </p:spPr>
+      </p:sp>
+      <p:sp>
+        <p:nvSpPr>
+          <p:cNvPr id="192" name="Google Shape;192;g104a1843f24_1_24:notes"/>
+          <p:cNvSpPr txBox="1"/>
+          <p:nvPr>
+            <p:ph idx="1" type="body"/>
+          </p:nvPr>
+        </p:nvSpPr>
+        <p:spPr>
+          <a:xfrm>
+            <a:off x="685800" y="4343400"/>
+            <a:ext cx="5486400" cy="4114800"/>
+          </a:xfrm>
+          <a:prstGeom prst="rect">
+            <a:avLst/>
+          </a:prstGeom>
+        </p:spPr>
+        <p:txBody>
+          <a:bodyPr anchorCtr="0" anchor="t" bIns="91425" lIns="91425" spcFirstLastPara="1" rIns="91425" wrap="square" tIns="91425">
+            <a:noAutofit/>
+          </a:bodyPr>
+          <a:lstStyle/>
+          <a:p>
+            <a:pPr indent="0" lvl="0" marL="0" rtl="0" algn="l">
+              <a:spcBef>
+                <a:spcPts val="0"/>
+              </a:spcBef>
+              <a:spcAft>
+                <a:spcPts val="0"/>
+              </a:spcAft>
+              <a:buNone/>
+            </a:pPr>
+            <a:r>
+              <a:t/>
+            </a:r>
+            <a:endParaRPr/>
+          </a:p>
+        </p:txBody>
+      </p:sp>
+    </p:spTree>
+  </p:cSld>
+  <p:clrMapOvr>
+    <a:masterClrMapping/>
+  </p:clrMapOvr>
+</p:notes>
+</file>
+
+<file path=ppt/notesSlides/notesSlide24.xml><?xml version="1.0" encoding="utf-8"?>
+<p:notes xmlns:a="http://schemas.openxmlformats.org/drawingml/2006/main" xmlns:r="http://schemas.openxmlformats.org/officeDocument/2006/relationships" xmlns:mc="http://schemas.openxmlformats.org/markup-compatibility/2006" xmlns:mv="urn:schemas-microsoft-com:mac:vml" xmlns:p="http://schemas.openxmlformats.org/presentationml/2006/main" xmlns:c="http://schemas.openxmlformats.org/drawingml/2006/chart" xmlns:dgm="http://schemas.openxmlformats.org/drawingml/2006/diagram" xmlns:o="urn:schemas-microsoft-com:office:office" xmlns:v="urn:schemas-microsoft-com:vml" xmlns:pvml="urn:schemas-microsoft-com:office:powerpoint" xmlns:com="http://schemas.openxmlformats.org/drawingml/2006/compatibility" xmlns:p14="http://schemas.microsoft.com/office/powerpoint/2010/main" xmlns:p15="http://schemas.microsoft.com/office/powerpoint/2012/main" xmlns:ahyp="http://schemas.microsoft.com/office/drawing/2018/hyperlinkcolor" showMasterPhAnim="0" showMasterSp="0">
+  <p:cSld>
+    <p:spTree>
+      <p:nvGrpSpPr>
+        <p:cNvPr id="196" name="Shape 196"/>
+        <p:cNvGrpSpPr/>
+        <p:nvPr/>
+      </p:nvGrpSpPr>
+      <p:grpSpPr>
+        <a:xfrm>
+          <a:off x="0" y="0"/>
+          <a:ext cx="0" cy="0"/>
+          <a:chOff x="0" y="0"/>
+          <a:chExt cx="0" cy="0"/>
+        </a:xfrm>
+      </p:grpSpPr>
+      <p:sp>
+        <p:nvSpPr>
+          <p:cNvPr id="197" name="Google Shape;197;g104a1843f24_1_29:notes"/>
+          <p:cNvSpPr/>
+          <p:nvPr>
+            <p:ph idx="2" type="sldImg"/>
+          </p:nvPr>
+        </p:nvSpPr>
+        <p:spPr>
+          <a:xfrm>
+            <a:off x="381300" y="685800"/>
+            <a:ext cx="6096000" cy="3429000"/>
+          </a:xfrm>
+          <a:custGeom>
+            <a:rect b="b" l="l" r="r" t="t"/>
+            <a:pathLst>
+              <a:path extrusionOk="0" h="120000" w="120000">
+                <a:moveTo>
+                  <a:pt x="0" y="0"/>
+                </a:moveTo>
+                <a:lnTo>
+                  <a:pt x="120000" y="0"/>
+                </a:lnTo>
+                <a:lnTo>
+                  <a:pt x="120000" y="120000"/>
+                </a:lnTo>
+                <a:lnTo>
+                  <a:pt x="0" y="120000"/>
+                </a:lnTo>
+                <a:close/>
+              </a:path>
+            </a:pathLst>
+          </a:custGeom>
+        </p:spPr>
+      </p:sp>
+      <p:sp>
+        <p:nvSpPr>
+          <p:cNvPr id="198" name="Google Shape;198;g104a1843f24_1_29:notes"/>
+          <p:cNvSpPr txBox="1"/>
+          <p:nvPr>
+            <p:ph idx="1" type="body"/>
+          </p:nvPr>
+        </p:nvSpPr>
+        <p:spPr>
+          <a:xfrm>
+            <a:off x="685800" y="4343400"/>
+            <a:ext cx="5486400" cy="4114800"/>
+          </a:xfrm>
+          <a:prstGeom prst="rect">
+            <a:avLst/>
+          </a:prstGeom>
+        </p:spPr>
+        <p:txBody>
+          <a:bodyPr anchorCtr="0" anchor="t" bIns="91425" lIns="91425" spcFirstLastPara="1" rIns="91425" wrap="square" tIns="91425">
+            <a:noAutofit/>
+          </a:bodyPr>
+          <a:lstStyle/>
+          <a:p>
+            <a:pPr indent="0" lvl="0" marL="0" rtl="0" algn="l">
+              <a:spcBef>
+                <a:spcPts val="0"/>
+              </a:spcBef>
+              <a:spcAft>
+                <a:spcPts val="0"/>
+              </a:spcAft>
+              <a:buNone/>
+            </a:pPr>
+            <a:r>
+              <a:t/>
+            </a:r>
+            <a:endParaRPr/>
+          </a:p>
+        </p:txBody>
+      </p:sp>
+    </p:spTree>
+  </p:cSld>
+  <p:clrMapOvr>
+    <a:masterClrMapping/>
+  </p:clrMapOvr>
+</p:notes>
+</file>
+
+<file path=ppt/notesSlides/notesSlide25.xml><?xml version="1.0" encoding="utf-8"?>
+<p:notes xmlns:a="http://schemas.openxmlformats.org/drawingml/2006/main" xmlns:r="http://schemas.openxmlformats.org/officeDocument/2006/relationships" xmlns:mc="http://schemas.openxmlformats.org/markup-compatibility/2006" xmlns:mv="urn:schemas-microsoft-com:mac:vml" xmlns:p="http://schemas.openxmlformats.org/presentationml/2006/main" xmlns:c="http://schemas.openxmlformats.org/drawingml/2006/chart" xmlns:dgm="http://schemas.openxmlformats.org/drawingml/2006/diagram" xmlns:o="urn:schemas-microsoft-com:office:office" xmlns:v="urn:schemas-microsoft-com:vml" xmlns:pvml="urn:schemas-microsoft-com:office:powerpoint" xmlns:com="http://schemas.openxmlformats.org/drawingml/2006/compatibility" xmlns:p14="http://schemas.microsoft.com/office/powerpoint/2010/main" xmlns:p15="http://schemas.microsoft.com/office/powerpoint/2012/main" xmlns:ahyp="http://schemas.microsoft.com/office/drawing/2018/hyperlinkcolor" showMasterPhAnim="0" showMasterSp="0">
+  <p:cSld>
+    <p:spTree>
+      <p:nvGrpSpPr>
+        <p:cNvPr id="202" name="Shape 202"/>
+        <p:cNvGrpSpPr/>
+        <p:nvPr/>
+      </p:nvGrpSpPr>
+      <p:grpSpPr>
+        <a:xfrm>
+          <a:off x="0" y="0"/>
+          <a:ext cx="0" cy="0"/>
+          <a:chOff x="0" y="0"/>
+          <a:chExt cx="0" cy="0"/>
+        </a:xfrm>
+      </p:grpSpPr>
+      <p:sp>
+        <p:nvSpPr>
+          <p:cNvPr id="203" name="Google Shape;203;g104a1843f24_1_34:notes"/>
+          <p:cNvSpPr/>
+          <p:nvPr>
+            <p:ph idx="2" type="sldImg"/>
+          </p:nvPr>
+        </p:nvSpPr>
+        <p:spPr>
+          <a:xfrm>
+            <a:off x="381300" y="685800"/>
+            <a:ext cx="6096000" cy="3429000"/>
+          </a:xfrm>
+          <a:custGeom>
+            <a:rect b="b" l="l" r="r" t="t"/>
+            <a:pathLst>
+              <a:path extrusionOk="0" h="120000" w="120000">
+                <a:moveTo>
+                  <a:pt x="0" y="0"/>
+                </a:moveTo>
+                <a:lnTo>
+                  <a:pt x="120000" y="0"/>
+                </a:lnTo>
+                <a:lnTo>
+                  <a:pt x="120000" y="120000"/>
+                </a:lnTo>
+                <a:lnTo>
+                  <a:pt x="0" y="120000"/>
+                </a:lnTo>
+                <a:close/>
+              </a:path>
+            </a:pathLst>
+          </a:custGeom>
+        </p:spPr>
+      </p:sp>
+      <p:sp>
+        <p:nvSpPr>
+          <p:cNvPr id="204" name="Google Shape;204;g104a1843f24_1_34:notes"/>
+          <p:cNvSpPr txBox="1"/>
+          <p:nvPr>
+            <p:ph idx="1" type="body"/>
+          </p:nvPr>
+        </p:nvSpPr>
+        <p:spPr>
+          <a:xfrm>
+            <a:off x="685800" y="4343400"/>
+            <a:ext cx="5486400" cy="4114800"/>
+          </a:xfrm>
+          <a:prstGeom prst="rect">
+            <a:avLst/>
+          </a:prstGeom>
+        </p:spPr>
+        <p:txBody>
+          <a:bodyPr anchorCtr="0" anchor="t" bIns="91425" lIns="91425" spcFirstLastPara="1" rIns="91425" wrap="square" tIns="91425">
+            <a:noAutofit/>
+          </a:bodyPr>
+          <a:lstStyle/>
+          <a:p>
+            <a:pPr indent="0" lvl="0" marL="0" rtl="0" algn="l">
+              <a:spcBef>
+                <a:spcPts val="0"/>
+              </a:spcBef>
+              <a:spcAft>
+                <a:spcPts val="0"/>
+              </a:spcAft>
+              <a:buNone/>
+            </a:pPr>
+            <a:r>
+              <a:t/>
+            </a:r>
+            <a:endParaRPr/>
+          </a:p>
+        </p:txBody>
+      </p:sp>
+    </p:spTree>
+  </p:cSld>
+  <p:clrMapOvr>
+    <a:masterClrMapping/>
+  </p:clrMapOvr>
+</p:notes>
+</file>
+
+<file path=ppt/notesSlides/notesSlide26.xml><?xml version="1.0" encoding="utf-8"?>
+<p:notes xmlns:a="http://schemas.openxmlformats.org/drawingml/2006/main" xmlns:r="http://schemas.openxmlformats.org/officeDocument/2006/relationships" xmlns:mc="http://schemas.openxmlformats.org/markup-compatibility/2006" xmlns:mv="urn:schemas-microsoft-com:mac:vml" xmlns:p="http://schemas.openxmlformats.org/presentationml/2006/main" xmlns:c="http://schemas.openxmlformats.org/drawingml/2006/chart" xmlns:dgm="http://schemas.openxmlformats.org/drawingml/2006/diagram" xmlns:o="urn:schemas-microsoft-com:office:office" xmlns:v="urn:schemas-microsoft-com:vml" xmlns:pvml="urn:schemas-microsoft-com:office:powerpoint" xmlns:com="http://schemas.openxmlformats.org/drawingml/2006/compatibility" xmlns:p14="http://schemas.microsoft.com/office/powerpoint/2010/main" xmlns:p15="http://schemas.microsoft.com/office/powerpoint/2012/main" xmlns:ahyp="http://schemas.microsoft.com/office/drawing/2018/hyperlinkcolor" showMasterPhAnim="0" showMasterSp="0">
+  <p:cSld>
+    <p:spTree>
+      <p:nvGrpSpPr>
+        <p:cNvPr id="208" name="Shape 208"/>
+        <p:cNvGrpSpPr/>
+        <p:nvPr/>
+      </p:nvGrpSpPr>
+      <p:grpSpPr>
+        <a:xfrm>
+          <a:off x="0" y="0"/>
+          <a:ext cx="0" cy="0"/>
+          <a:chOff x="0" y="0"/>
+          <a:chExt cx="0" cy="0"/>
+        </a:xfrm>
+      </p:grpSpPr>
+      <p:sp>
+        <p:nvSpPr>
+          <p:cNvPr id="209" name="Google Shape;209;g104a1843f24_1_61:notes"/>
+          <p:cNvSpPr/>
+          <p:nvPr>
+            <p:ph idx="2" type="sldImg"/>
+          </p:nvPr>
+        </p:nvSpPr>
+        <p:spPr>
+          <a:xfrm>
+            <a:off x="381300" y="685800"/>
+            <a:ext cx="6096000" cy="3429000"/>
+          </a:xfrm>
+          <a:custGeom>
+            <a:rect b="b" l="l" r="r" t="t"/>
+            <a:pathLst>
+              <a:path extrusionOk="0" h="120000" w="120000">
+                <a:moveTo>
+                  <a:pt x="0" y="0"/>
+                </a:moveTo>
+                <a:lnTo>
+                  <a:pt x="120000" y="0"/>
+                </a:lnTo>
+                <a:lnTo>
+                  <a:pt x="120000" y="120000"/>
+                </a:lnTo>
+                <a:lnTo>
+                  <a:pt x="0" y="120000"/>
+                </a:lnTo>
+                <a:close/>
+              </a:path>
+            </a:pathLst>
+          </a:custGeom>
+        </p:spPr>
+      </p:sp>
+      <p:sp>
+        <p:nvSpPr>
+          <p:cNvPr id="210" name="Google Shape;210;g104a1843f24_1_61:notes"/>
+          <p:cNvSpPr txBox="1"/>
+          <p:nvPr>
+            <p:ph idx="1" type="body"/>
+          </p:nvPr>
+        </p:nvSpPr>
+        <p:spPr>
+          <a:xfrm>
+            <a:off x="685800" y="4343400"/>
+            <a:ext cx="5486400" cy="4114800"/>
+          </a:xfrm>
+          <a:prstGeom prst="rect">
+            <a:avLst/>
+          </a:prstGeom>
+        </p:spPr>
+        <p:txBody>
+          <a:bodyPr anchorCtr="0" anchor="t" bIns="91425" lIns="91425" spcFirstLastPara="1" rIns="91425" wrap="square" tIns="91425">
+            <a:noAutofit/>
+          </a:bodyPr>
+          <a:lstStyle/>
+          <a:p>
+            <a:pPr indent="0" lvl="0" marL="0" rtl="0" algn="l">
+              <a:spcBef>
+                <a:spcPts val="0"/>
+              </a:spcBef>
+              <a:spcAft>
+                <a:spcPts val="0"/>
+              </a:spcAft>
+              <a:buNone/>
+            </a:pPr>
+            <a:r>
+              <a:t/>
+            </a:r>
+            <a:endParaRPr/>
+          </a:p>
+        </p:txBody>
+      </p:sp>
+    </p:spTree>
+  </p:cSld>
+  <p:clrMapOvr>
+    <a:masterClrMapping/>
+  </p:clrMapOvr>
+</p:notes>
+</file>
+
+<file path=ppt/notesSlides/notesSlide27.xml><?xml version="1.0" encoding="utf-8"?>
+<p:notes xmlns:a="http://schemas.openxmlformats.org/drawingml/2006/main" xmlns:r="http://schemas.openxmlformats.org/officeDocument/2006/relationships" xmlns:mc="http://schemas.openxmlformats.org/markup-compatibility/2006" xmlns:mv="urn:schemas-microsoft-com:mac:vml" xmlns:p="http://schemas.openxmlformats.org/presentationml/2006/main" xmlns:c="http://schemas.openxmlformats.org/drawingml/2006/chart" xmlns:dgm="http://schemas.openxmlformats.org/drawingml/2006/diagram" xmlns:o="urn:schemas-microsoft-com:office:office" xmlns:v="urn:schemas-microsoft-com:vml" xmlns:pvml="urn:schemas-microsoft-com:office:powerpoint" xmlns:com="http://schemas.openxmlformats.org/drawingml/2006/compatibility" xmlns:p14="http://schemas.microsoft.com/office/powerpoint/2010/main" xmlns:p15="http://schemas.microsoft.com/office/powerpoint/2012/main" xmlns:ahyp="http://schemas.microsoft.com/office/drawing/2018/hyperlinkcolor" showMasterPhAnim="0" showMasterSp="0">
+  <p:cSld>
+    <p:spTree>
+      <p:nvGrpSpPr>
+        <p:cNvPr id="214" name="Shape 214"/>
+        <p:cNvGrpSpPr/>
+        <p:nvPr/>
+      </p:nvGrpSpPr>
+      <p:grpSpPr>
+        <a:xfrm>
+          <a:off x="0" y="0"/>
+          <a:ext cx="0" cy="0"/>
+          <a:chOff x="0" y="0"/>
+          <a:chExt cx="0" cy="0"/>
+        </a:xfrm>
+      </p:grpSpPr>
+      <p:sp>
+        <p:nvSpPr>
+          <p:cNvPr id="215" name="Google Shape;215;g104a1843f24_1_66:notes"/>
+          <p:cNvSpPr/>
+          <p:nvPr>
+            <p:ph idx="2" type="sldImg"/>
+          </p:nvPr>
+        </p:nvSpPr>
+        <p:spPr>
+          <a:xfrm>
+            <a:off x="381300" y="685800"/>
+            <a:ext cx="6096000" cy="3429000"/>
+          </a:xfrm>
+          <a:custGeom>
+            <a:rect b="b" l="l" r="r" t="t"/>
+            <a:pathLst>
+              <a:path extrusionOk="0" h="120000" w="120000">
+                <a:moveTo>
+                  <a:pt x="0" y="0"/>
+                </a:moveTo>
+                <a:lnTo>
+                  <a:pt x="120000" y="0"/>
+                </a:lnTo>
+                <a:lnTo>
+                  <a:pt x="120000" y="120000"/>
+                </a:lnTo>
+                <a:lnTo>
+                  <a:pt x="0" y="120000"/>
+                </a:lnTo>
+                <a:close/>
+              </a:path>
+            </a:pathLst>
+          </a:custGeom>
+        </p:spPr>
+      </p:sp>
+      <p:sp>
+        <p:nvSpPr>
+          <p:cNvPr id="216" name="Google Shape;216;g104a1843f24_1_66:notes"/>
+          <p:cNvSpPr txBox="1"/>
+          <p:nvPr>
+            <p:ph idx="1" type="body"/>
+          </p:nvPr>
+        </p:nvSpPr>
+        <p:spPr>
+          <a:xfrm>
+            <a:off x="685800" y="4343400"/>
+            <a:ext cx="5486400" cy="4114800"/>
+          </a:xfrm>
+          <a:prstGeom prst="rect">
+            <a:avLst/>
+          </a:prstGeom>
+        </p:spPr>
+        <p:txBody>
+          <a:bodyPr anchorCtr="0" anchor="t" bIns="91425" lIns="91425" spcFirstLastPara="1" rIns="91425" wrap="square" tIns="91425">
+            <a:noAutofit/>
+          </a:bodyPr>
+          <a:lstStyle/>
+          <a:p>
+            <a:pPr indent="0" lvl="0" marL="0" rtl="0" algn="l">
+              <a:spcBef>
+                <a:spcPts val="0"/>
+              </a:spcBef>
+              <a:spcAft>
+                <a:spcPts val="0"/>
+              </a:spcAft>
+              <a:buNone/>
+            </a:pPr>
+            <a:r>
+              <a:t/>
+            </a:r>
+            <a:endParaRPr/>
+          </a:p>
+        </p:txBody>
+      </p:sp>
+    </p:spTree>
+  </p:cSld>
+  <p:clrMapOvr>
+    <a:masterClrMapping/>
+  </p:clrMapOvr>
+</p:notes>
+</file>
+
+<file path=ppt/notesSlides/notesSlide28.xml><?xml version="1.0" encoding="utf-8"?>
+<p:notes xmlns:a="http://schemas.openxmlformats.org/drawingml/2006/main" xmlns:r="http://schemas.openxmlformats.org/officeDocument/2006/relationships" xmlns:mc="http://schemas.openxmlformats.org/markup-compatibility/2006" xmlns:mv="urn:schemas-microsoft-com:mac:vml" xmlns:p="http://schemas.openxmlformats.org/presentationml/2006/main" xmlns:c="http://schemas.openxmlformats.org/drawingml/2006/chart" xmlns:dgm="http://schemas.openxmlformats.org/drawingml/2006/diagram" xmlns:o="urn:schemas-microsoft-com:office:office" xmlns:v="urn:schemas-microsoft-com:vml" xmlns:pvml="urn:schemas-microsoft-com:office:powerpoint" xmlns:com="http://schemas.openxmlformats.org/drawingml/2006/compatibility" xmlns:p14="http://schemas.microsoft.com/office/powerpoint/2010/main" xmlns:p15="http://schemas.microsoft.com/office/powerpoint/2012/main" xmlns:ahyp="http://schemas.microsoft.com/office/drawing/2018/hyperlinkcolor" showMasterPhAnim="0" showMasterSp="0">
+  <p:cSld>
+    <p:spTree>
+      <p:nvGrpSpPr>
+        <p:cNvPr id="221" name="Shape 221"/>
+        <p:cNvGrpSpPr/>
+        <p:nvPr/>
+      </p:nvGrpSpPr>
+      <p:grpSpPr>
+        <a:xfrm>
+          <a:off x="0" y="0"/>
+          <a:ext cx="0" cy="0"/>
+          <a:chOff x="0" y="0"/>
+          <a:chExt cx="0" cy="0"/>
+        </a:xfrm>
+      </p:grpSpPr>
+      <p:sp>
+        <p:nvSpPr>
+          <p:cNvPr id="222" name="Google Shape;222;ga84ec43ac3_0_92:notes"/>
+          <p:cNvSpPr/>
+          <p:nvPr>
+            <p:ph idx="2" type="sldImg"/>
+          </p:nvPr>
+        </p:nvSpPr>
+        <p:spPr>
+          <a:xfrm>
+            <a:off x="381300" y="685800"/>
+            <a:ext cx="6096000" cy="3429000"/>
+          </a:xfrm>
+          <a:custGeom>
+            <a:rect b="b" l="l" r="r" t="t"/>
+            <a:pathLst>
+              <a:path extrusionOk="0" h="120000" w="120000">
+                <a:moveTo>
+                  <a:pt x="0" y="0"/>
+                </a:moveTo>
+                <a:lnTo>
+                  <a:pt x="120000" y="0"/>
+                </a:lnTo>
+                <a:lnTo>
+                  <a:pt x="120000" y="120000"/>
+                </a:lnTo>
+                <a:lnTo>
+                  <a:pt x="0" y="120000"/>
+                </a:lnTo>
+                <a:close/>
+              </a:path>
+            </a:pathLst>
+          </a:custGeom>
+        </p:spPr>
+      </p:sp>
+      <p:sp>
+        <p:nvSpPr>
+          <p:cNvPr id="223" name="Google Shape;223;ga84ec43ac3_0_92:notes"/>
           <p:cNvSpPr txBox="1"/>
           <p:nvPr>
             <p:ph idx="1" type="body"/>
@@ -2407,7 +3207,7 @@
       </p:grpSpPr>
       <p:sp>
         <p:nvSpPr>
-          <p:cNvPr id="86" name="Google Shape;86;gaccdd28bfb_0_15:notes"/>
+          <p:cNvPr id="86" name="Google Shape;86;g104a1843f24_1_123:notes"/>
           <p:cNvSpPr/>
           <p:nvPr>
             <p:ph idx="2" type="sldImg"/>
@@ -2442,7 +3242,7 @@
       </p:sp>
       <p:sp>
         <p:nvSpPr>
-          <p:cNvPr id="87" name="Google Shape;87;gaccdd28bfb_0_15:notes"/>
+          <p:cNvPr id="87" name="Google Shape;87;g104a1843f24_1_123:notes"/>
           <p:cNvSpPr txBox="1"/>
           <p:nvPr>
             <p:ph idx="1" type="body"/>
@@ -2506,7 +3306,7 @@
       </p:grpSpPr>
       <p:sp>
         <p:nvSpPr>
-          <p:cNvPr id="92" name="Google Shape;92;ga84ec43ac3_0_0:notes"/>
+          <p:cNvPr id="92" name="Google Shape;92;ga84ec43ac3_0_25:notes"/>
           <p:cNvSpPr/>
           <p:nvPr>
             <p:ph idx="2" type="sldImg"/>
@@ -2541,7 +3341,7 @@
       </p:sp>
       <p:sp>
         <p:nvSpPr>
-          <p:cNvPr id="93" name="Google Shape;93;ga84ec43ac3_0_0:notes"/>
+          <p:cNvPr id="93" name="Google Shape;93;ga84ec43ac3_0_25:notes"/>
           <p:cNvSpPr txBox="1"/>
           <p:nvPr>
             <p:ph idx="1" type="body"/>
@@ -2605,7 +3405,7 @@
       </p:grpSpPr>
       <p:sp>
         <p:nvSpPr>
-          <p:cNvPr id="99" name="Google Shape;99;ga84ec43ac3_0_5:notes"/>
+          <p:cNvPr id="99" name="Google Shape;99;ga84ec43ac3_0_30:notes"/>
           <p:cNvSpPr/>
           <p:nvPr>
             <p:ph idx="2" type="sldImg"/>
@@ -2640,7 +3440,7 @@
       </p:sp>
       <p:sp>
         <p:nvSpPr>
-          <p:cNvPr id="100" name="Google Shape;100;ga84ec43ac3_0_5:notes"/>
+          <p:cNvPr id="100" name="Google Shape;100;ga84ec43ac3_0_30:notes"/>
           <p:cNvSpPr txBox="1"/>
           <p:nvPr>
             <p:ph idx="1" type="body"/>
@@ -7486,16 +8286,11 @@
               <a:spcAft>
                 <a:spcPts val="0"/>
               </a:spcAft>
-              <a:buClr>
-                <a:schemeClr val="dk1"/>
-              </a:buClr>
-              <a:buSzPts val="1100"/>
-              <a:buFont typeface="Arial"/>
               <a:buNone/>
             </a:pPr>
             <a:r>
               <a:rPr lang="ru"/>
-              <a:t>Инкапсуляция</a:t>
+              <a:t>Конструкция: try … catch …</a:t>
             </a:r>
             <a:endParaRPr/>
           </a:p>
@@ -7517,8 +8312,8 @@
         </p:blipFill>
         <p:spPr>
           <a:xfrm>
-            <a:off x="849125" y="1994075"/>
-            <a:ext cx="6905625" cy="1895475"/>
+            <a:off x="1539725" y="1188300"/>
+            <a:ext cx="5582593" cy="3820974"/>
           </a:xfrm>
           <a:prstGeom prst="rect">
             <a:avLst/>
@@ -7593,95 +8388,15 @@
             </a:pPr>
             <a:r>
               <a:rPr lang="ru"/>
-              <a:t>Инкапсуляция</a:t>
+              <a:t>Конструкция: try … except …</a:t>
             </a:r>
             <a:endParaRPr/>
           </a:p>
         </p:txBody>
       </p:sp>
-      <p:sp>
-        <p:nvSpPr>
-          <p:cNvPr id="115" name="Google Shape;115;p23"/>
-          <p:cNvSpPr txBox="1"/>
-          <p:nvPr>
-            <p:ph idx="1" type="body"/>
-          </p:nvPr>
-        </p:nvSpPr>
-        <p:spPr>
-          <a:xfrm>
-            <a:off x="247875" y="1372300"/>
-            <a:ext cx="3465300" cy="3023100"/>
-          </a:xfrm>
-          <a:prstGeom prst="rect">
-            <a:avLst/>
-          </a:prstGeom>
-        </p:spPr>
-        <p:txBody>
-          <a:bodyPr anchorCtr="0" anchor="t" bIns="91425" lIns="91425" spcFirstLastPara="1" rIns="91425" wrap="square" tIns="91425">
-            <a:noAutofit/>
-          </a:bodyPr>
-          <a:lstStyle/>
-          <a:p>
-            <a:pPr indent="0" lvl="0" marL="0" rtl="0" algn="just">
-              <a:spcBef>
-                <a:spcPts val="0"/>
-              </a:spcBef>
-              <a:spcAft>
-                <a:spcPts val="0"/>
-              </a:spcAft>
-              <a:buNone/>
-            </a:pPr>
-            <a:r>
-              <a:rPr lang="ru">
-                <a:solidFill>
-                  <a:schemeClr val="dk1"/>
-                </a:solidFill>
-              </a:rPr>
-              <a:t>Р</a:t>
-            </a:r>
-            <a:r>
-              <a:rPr lang="ru">
-                <a:solidFill>
-                  <a:schemeClr val="dk1"/>
-                </a:solidFill>
-              </a:rPr>
-              <a:t>еализации в Python.</a:t>
-            </a:r>
-            <a:endParaRPr>
-              <a:solidFill>
-                <a:schemeClr val="dk1"/>
-              </a:solidFill>
-            </a:endParaRPr>
-          </a:p>
-          <a:p>
-            <a:pPr indent="0" lvl="0" marL="0" rtl="0" algn="just">
-              <a:spcBef>
-                <a:spcPts val="0"/>
-              </a:spcBef>
-              <a:spcAft>
-                <a:spcPts val="0"/>
-              </a:spcAft>
-              <a:buNone/>
-            </a:pPr>
-            <a:r>
-              <a:rPr lang="ru">
-                <a:solidFill>
-                  <a:schemeClr val="dk1"/>
-                </a:solidFill>
-              </a:rPr>
-              <a:t>Во многих языках программирования. Ограничение доступа к полям и методам, организовывается с помощью ключевых слов (public/private).  В Python для этого - существует соглашение об именовании.</a:t>
-            </a:r>
-            <a:endParaRPr>
-              <a:solidFill>
-                <a:schemeClr val="dk1"/>
-              </a:solidFill>
-            </a:endParaRPr>
-          </a:p>
-        </p:txBody>
-      </p:sp>
       <p:pic>
         <p:nvPicPr>
-          <p:cNvPr id="116" name="Google Shape;116;p23"/>
+          <p:cNvPr id="115" name="Google Shape;115;p23"/>
           <p:cNvPicPr preferRelativeResize="0"/>
           <p:nvPr/>
         </p:nvPicPr>
@@ -7695,8 +8410,8 @@
         </p:blipFill>
         <p:spPr>
           <a:xfrm>
-            <a:off x="3975200" y="882525"/>
-            <a:ext cx="4415050" cy="4075425"/>
+            <a:off x="485625" y="1176175"/>
+            <a:ext cx="7762875" cy="3581400"/>
           </a:xfrm>
           <a:prstGeom prst="rect">
             <a:avLst/>
@@ -7720,7 +8435,7 @@
   <p:cSld>
     <p:spTree>
       <p:nvGrpSpPr>
-        <p:cNvPr id="120" name="Shape 120"/>
+        <p:cNvPr id="119" name="Shape 119"/>
         <p:cNvGrpSpPr/>
         <p:nvPr/>
       </p:nvGrpSpPr>
@@ -7734,7 +8449,7 @@
       </p:grpSpPr>
       <p:sp>
         <p:nvSpPr>
-          <p:cNvPr id="121" name="Google Shape;121;p24"/>
+          <p:cNvPr id="120" name="Google Shape;120;p24"/>
           <p:cNvSpPr txBox="1"/>
           <p:nvPr>
             <p:ph type="title"/>
@@ -7771,7 +8486,7 @@
             </a:pPr>
             <a:r>
               <a:rPr lang="ru"/>
-              <a:t>Инкапсуляция</a:t>
+              <a:t>Конструкция: try … catch …</a:t>
             </a:r>
             <a:endParaRPr/>
           </a:p>
@@ -7779,7 +8494,7 @@
       </p:sp>
       <p:pic>
         <p:nvPicPr>
-          <p:cNvPr id="122" name="Google Shape;122;p24"/>
+          <p:cNvPr id="121" name="Google Shape;121;p24"/>
           <p:cNvPicPr preferRelativeResize="0"/>
           <p:nvPr/>
         </p:nvPicPr>
@@ -7793,8 +8508,8 @@
         </p:blipFill>
         <p:spPr>
           <a:xfrm>
-            <a:off x="1006600" y="1322525"/>
-            <a:ext cx="6944055" cy="3820975"/>
+            <a:off x="2114550" y="1460925"/>
+            <a:ext cx="4914900" cy="2838450"/>
           </a:xfrm>
           <a:prstGeom prst="rect">
             <a:avLst/>
@@ -7818,7 +8533,7 @@
   <p:cSld>
     <p:spTree>
       <p:nvGrpSpPr>
-        <p:cNvPr id="126" name="Shape 126"/>
+        <p:cNvPr id="125" name="Shape 125"/>
         <p:cNvGrpSpPr/>
         <p:nvPr/>
       </p:nvGrpSpPr>
@@ -7832,7 +8547,7 @@
       </p:grpSpPr>
       <p:sp>
         <p:nvSpPr>
-          <p:cNvPr id="127" name="Google Shape;127;p25"/>
+          <p:cNvPr id="126" name="Google Shape;126;p25"/>
           <p:cNvSpPr txBox="1"/>
           <p:nvPr>
             <p:ph type="title"/>
@@ -7864,9 +8579,81 @@
             </a:pPr>
             <a:r>
               <a:rPr lang="ru"/>
-              <a:t>Обработка аварийных/исключительных ситуаций.</a:t>
+              <a:t>Конструкция: try … except …finally</a:t>
             </a:r>
             <a:endParaRPr/>
+          </a:p>
+        </p:txBody>
+      </p:sp>
+      <p:sp>
+        <p:nvSpPr>
+          <p:cNvPr id="127" name="Google Shape;127;p25"/>
+          <p:cNvSpPr txBox="1"/>
+          <p:nvPr>
+            <p:ph idx="1" type="body"/>
+          </p:nvPr>
+        </p:nvSpPr>
+        <p:spPr>
+          <a:xfrm>
+            <a:off x="311700" y="1152475"/>
+            <a:ext cx="8520600" cy="1940400"/>
+          </a:xfrm>
+          <a:prstGeom prst="rect">
+            <a:avLst/>
+          </a:prstGeom>
+        </p:spPr>
+        <p:txBody>
+          <a:bodyPr anchorCtr="0" anchor="t" bIns="91425" lIns="91425" spcFirstLastPara="1" rIns="91425" wrap="square" tIns="91425">
+            <a:noAutofit/>
+          </a:bodyPr>
+          <a:lstStyle/>
+          <a:p>
+            <a:pPr indent="0" lvl="0" marL="0" rtl="0" algn="l">
+              <a:lnSpc>
+                <a:spcPct val="100000"/>
+              </a:lnSpc>
+              <a:spcBef>
+                <a:spcPts val="0"/>
+              </a:spcBef>
+              <a:spcAft>
+                <a:spcPts val="0"/>
+              </a:spcAft>
+              <a:buClr>
+                <a:schemeClr val="dk1"/>
+              </a:buClr>
+              <a:buSzPts val="1100"/>
+              <a:buFont typeface="Arial"/>
+              <a:buNone/>
+            </a:pPr>
+            <a:r>
+              <a:rPr lang="ru">
+                <a:solidFill>
+                  <a:srgbClr val="666666"/>
+                </a:solidFill>
+              </a:rPr>
+              <a:t>Если нужно организовать работы некоторого программного блока в независимости от того было ли исключение или нет, то можно воспользоваться конструкцией </a:t>
+            </a:r>
+            <a:r>
+              <a:rPr b="1" lang="ru">
+                <a:solidFill>
+                  <a:srgbClr val="666666"/>
+                </a:solidFill>
+              </a:rPr>
+              <a:t>try … except … finally</a:t>
+            </a:r>
+            <a:r>
+              <a:rPr lang="ru">
+                <a:solidFill>
+                  <a:srgbClr val="666666"/>
+                </a:solidFill>
+              </a:rPr>
+              <a:t>. Блок кода определенный внутри finally будет вызван в любом случае было ли исключение или нет. Это позволяет в том числе организовать единое место освобождение ресурсов.</a:t>
+            </a:r>
+            <a:endParaRPr>
+              <a:solidFill>
+                <a:srgbClr val="666666"/>
+              </a:solidFill>
+            </a:endParaRPr>
           </a:p>
         </p:txBody>
       </p:sp>
@@ -7886,36 +8673,8 @@
         </p:blipFill>
         <p:spPr>
           <a:xfrm>
-            <a:off x="152400" y="1048950"/>
-            <a:ext cx="8839201" cy="1937359"/>
-          </a:xfrm>
-          <a:prstGeom prst="rect">
-            <a:avLst/>
-          </a:prstGeom>
-          <a:noFill/>
-          <a:ln>
-            <a:noFill/>
-          </a:ln>
-        </p:spPr>
-      </p:pic>
-      <p:pic>
-        <p:nvPicPr>
-          <p:cNvPr id="129" name="Google Shape;129;p25"/>
-          <p:cNvPicPr preferRelativeResize="0"/>
-          <p:nvPr/>
-        </p:nvPicPr>
-        <p:blipFill>
-          <a:blip r:embed="rId4">
-            <a:alphaModFix/>
-          </a:blip>
-          <a:stretch>
-            <a:fillRect/>
-          </a:stretch>
-        </p:blipFill>
-        <p:spPr>
-          <a:xfrm>
-            <a:off x="323400" y="3114459"/>
-            <a:ext cx="8497205" cy="1852391"/>
+            <a:off x="2200100" y="3142300"/>
+            <a:ext cx="3910292" cy="1745825"/>
           </a:xfrm>
           <a:prstGeom prst="rect">
             <a:avLst/>
@@ -7939,7 +8698,7 @@
   <p:cSld>
     <p:spTree>
       <p:nvGrpSpPr>
-        <p:cNvPr id="133" name="Shape 133"/>
+        <p:cNvPr id="132" name="Shape 132"/>
         <p:cNvGrpSpPr/>
         <p:nvPr/>
       </p:nvGrpSpPr>
@@ -7953,7 +8712,7 @@
       </p:grpSpPr>
       <p:sp>
         <p:nvSpPr>
-          <p:cNvPr id="134" name="Google Shape;134;p26"/>
+          <p:cNvPr id="133" name="Google Shape;133;p26"/>
           <p:cNvSpPr txBox="1"/>
           <p:nvPr>
             <p:ph type="title"/>
@@ -7985,7 +8744,7 @@
             </a:pPr>
             <a:r>
               <a:rPr lang="ru"/>
-              <a:t>Конструкция: try … catch …</a:t>
+              <a:t>Ситуация</a:t>
             </a:r>
             <a:endParaRPr/>
           </a:p>
@@ -7993,7 +8752,7 @@
       </p:sp>
       <p:pic>
         <p:nvPicPr>
-          <p:cNvPr id="135" name="Google Shape;135;p26"/>
+          <p:cNvPr id="134" name="Google Shape;134;p26"/>
           <p:cNvPicPr preferRelativeResize="0"/>
           <p:nvPr/>
         </p:nvPicPr>
@@ -8007,8 +8766,8 @@
         </p:blipFill>
         <p:spPr>
           <a:xfrm>
-            <a:off x="1539725" y="1188300"/>
-            <a:ext cx="5582593" cy="3820974"/>
+            <a:off x="2418175" y="1788075"/>
+            <a:ext cx="4003225" cy="2128700"/>
           </a:xfrm>
           <a:prstGeom prst="rect">
             <a:avLst/>
@@ -8032,7 +8791,7 @@
   <p:cSld>
     <p:spTree>
       <p:nvGrpSpPr>
-        <p:cNvPr id="139" name="Shape 139"/>
+        <p:cNvPr id="138" name="Shape 138"/>
         <p:cNvGrpSpPr/>
         <p:nvPr/>
       </p:nvGrpSpPr>
@@ -8046,7 +8805,7 @@
       </p:grpSpPr>
       <p:sp>
         <p:nvSpPr>
-          <p:cNvPr id="140" name="Google Shape;140;p27"/>
+          <p:cNvPr id="139" name="Google Shape;139;p27"/>
           <p:cNvSpPr txBox="1"/>
           <p:nvPr>
             <p:ph type="title"/>
@@ -8074,49 +8833,181 @@
               <a:spcAft>
                 <a:spcPts val="0"/>
               </a:spcAft>
-              <a:buClr>
-                <a:schemeClr val="dk1"/>
-              </a:buClr>
-              <a:buSzPts val="1100"/>
-              <a:buFont typeface="Arial"/>
               <a:buNone/>
             </a:pPr>
             <a:r>
               <a:rPr lang="ru"/>
-              <a:t>Конструкция: try … catch …</a:t>
+              <a:t>Пользовательские классы исключений</a:t>
             </a:r>
             <a:endParaRPr/>
           </a:p>
         </p:txBody>
       </p:sp>
-      <p:pic>
-        <p:nvPicPr>
-          <p:cNvPr id="141" name="Google Shape;141;p27"/>
-          <p:cNvPicPr preferRelativeResize="0"/>
-          <p:nvPr/>
-        </p:nvPicPr>
-        <p:blipFill>
-          <a:blip r:embed="rId3">
-            <a:alphaModFix/>
-          </a:blip>
-          <a:stretch>
-            <a:fillRect/>
-          </a:stretch>
-        </p:blipFill>
-        <p:spPr>
-          <a:xfrm>
-            <a:off x="485625" y="1176175"/>
-            <a:ext cx="7762875" cy="3581400"/>
+      <p:sp>
+        <p:nvSpPr>
+          <p:cNvPr id="140" name="Google Shape;140;p27"/>
+          <p:cNvSpPr txBox="1"/>
+          <p:nvPr>
+            <p:ph idx="1" type="body"/>
+          </p:nvPr>
+        </p:nvSpPr>
+        <p:spPr>
+          <a:xfrm>
+            <a:off x="311700" y="1152475"/>
+            <a:ext cx="8520600" cy="3416400"/>
           </a:xfrm>
           <a:prstGeom prst="rect">
             <a:avLst/>
           </a:prstGeom>
-          <a:noFill/>
-          <a:ln>
-            <a:noFill/>
-          </a:ln>
-        </p:spPr>
-      </p:pic>
+        </p:spPr>
+        <p:txBody>
+          <a:bodyPr anchorCtr="0" anchor="t" bIns="91425" lIns="91425" spcFirstLastPara="1" rIns="91425" wrap="square" tIns="91425">
+            <a:noAutofit/>
+          </a:bodyPr>
+          <a:lstStyle/>
+          <a:p>
+            <a:pPr indent="0" lvl="0" marL="0" rtl="0" algn="l">
+              <a:spcBef>
+                <a:spcPts val="0"/>
+              </a:spcBef>
+              <a:spcAft>
+                <a:spcPts val="0"/>
+              </a:spcAft>
+              <a:buNone/>
+            </a:pPr>
+            <a:r>
+              <a:rPr lang="ru" u="sng">
+                <a:solidFill>
+                  <a:srgbClr val="666666"/>
+                </a:solidFill>
+                <a:hlinkClick r:id="rId3">
+                  <a:extLst>
+                    <a:ext uri="{A12FA001-AC4F-418D-AE19-62706E023703}">
+                      <ahyp:hlinkClr val="tx"/>
+                    </a:ext>
+                  </a:extLst>
+                </a:hlinkClick>
+              </a:rPr>
+              <a:t>BaseException</a:t>
+            </a:r>
+            <a:r>
+              <a:rPr lang="ru">
+                <a:solidFill>
+                  <a:srgbClr val="666666"/>
+                </a:solidFill>
+              </a:rPr>
+              <a:t> - </a:t>
+            </a:r>
+            <a:r>
+              <a:rPr lang="ru">
+                <a:solidFill>
+                  <a:srgbClr val="666666"/>
+                </a:solidFill>
+              </a:rPr>
+              <a:t>системные</a:t>
+            </a:r>
+            <a:r>
+              <a:rPr lang="ru">
+                <a:solidFill>
+                  <a:srgbClr val="666666"/>
+                </a:solidFill>
+              </a:rPr>
+              <a:t> ошибки. </a:t>
+            </a:r>
+            <a:endParaRPr>
+              <a:solidFill>
+                <a:srgbClr val="666666"/>
+              </a:solidFill>
+            </a:endParaRPr>
+          </a:p>
+          <a:p>
+            <a:pPr indent="0" lvl="0" marL="0" rtl="0" algn="l">
+              <a:spcBef>
+                <a:spcPts val="1600"/>
+              </a:spcBef>
+              <a:spcAft>
+                <a:spcPts val="0"/>
+              </a:spcAft>
+              <a:buNone/>
+            </a:pPr>
+            <a:r>
+              <a:rPr lang="ru" u="sng">
+                <a:solidFill>
+                  <a:srgbClr val="666666"/>
+                </a:solidFill>
+                <a:hlinkClick r:id="rId4">
+                  <a:extLst>
+                    <a:ext uri="{A12FA001-AC4F-418D-AE19-62706E023703}">
+                      <ahyp:hlinkClr val="tx"/>
+                    </a:ext>
+                  </a:extLst>
+                </a:hlinkClick>
+              </a:rPr>
+              <a:t>Exception</a:t>
+            </a:r>
+            <a:r>
+              <a:rPr lang="ru">
+                <a:solidFill>
+                  <a:srgbClr val="666666"/>
+                </a:solidFill>
+              </a:rPr>
+              <a:t> - Все встроенные исключения, не связанные с системными ошибками, являются производными от этого класса. Все пользовательские исключения также должны быть производными от этого класса.</a:t>
+            </a:r>
+            <a:endParaRPr>
+              <a:solidFill>
+                <a:srgbClr val="666666"/>
+              </a:solidFill>
+            </a:endParaRPr>
+          </a:p>
+          <a:p>
+            <a:pPr indent="0" lvl="0" marL="0" rtl="0" algn="l">
+              <a:spcBef>
+                <a:spcPts val="1600"/>
+              </a:spcBef>
+              <a:spcAft>
+                <a:spcPts val="1600"/>
+              </a:spcAft>
+              <a:buNone/>
+            </a:pPr>
+            <a:r>
+              <a:rPr lang="ru">
+                <a:solidFill>
+                  <a:srgbClr val="666666"/>
+                </a:solidFill>
+              </a:rPr>
+              <a:t>Полный список встроенных исключений можно найти </a:t>
+            </a:r>
+            <a:r>
+              <a:rPr lang="ru" u="sng">
+                <a:solidFill>
+                  <a:srgbClr val="666666"/>
+                </a:solidFill>
+                <a:hlinkClick r:id="rId5">
+                  <a:extLst>
+                    <a:ext uri="{A12FA001-AC4F-418D-AE19-62706E023703}">
+                      <ahyp:hlinkClr val="tx"/>
+                    </a:ext>
+                  </a:extLst>
+                </a:hlinkClick>
+              </a:rPr>
+              <a:t>здесь</a:t>
+            </a:r>
+            <a:r>
+              <a:rPr lang="ru">
+                <a:solidFill>
+                  <a:srgbClr val="666666"/>
+                </a:solidFill>
+              </a:rPr>
+              <a:t>.</a:t>
+            </a:r>
+            <a:endParaRPr>
+              <a:solidFill>
+                <a:srgbClr val="666666"/>
+              </a:solidFill>
+            </a:endParaRPr>
+          </a:p>
+        </p:txBody>
+      </p:sp>
     </p:spTree>
   </p:cSld>
   <p:clrMapOvr>
@@ -8130,7 +9021,7 @@
   <p:cSld>
     <p:spTree>
       <p:nvGrpSpPr>
-        <p:cNvPr id="145" name="Shape 145"/>
+        <p:cNvPr id="144" name="Shape 144"/>
         <p:cNvGrpSpPr/>
         <p:nvPr/>
       </p:nvGrpSpPr>
@@ -8144,7 +9035,7 @@
       </p:grpSpPr>
       <p:sp>
         <p:nvSpPr>
-          <p:cNvPr id="146" name="Google Shape;146;p28"/>
+          <p:cNvPr id="145" name="Google Shape;145;p28"/>
           <p:cNvSpPr txBox="1"/>
           <p:nvPr>
             <p:ph type="title"/>
@@ -8172,16 +9063,11 @@
               <a:spcAft>
                 <a:spcPts val="0"/>
               </a:spcAft>
-              <a:buClr>
-                <a:schemeClr val="dk1"/>
-              </a:buClr>
-              <a:buSzPts val="1100"/>
-              <a:buFont typeface="Arial"/>
               <a:buNone/>
             </a:pPr>
             <a:r>
               <a:rPr lang="ru"/>
-              <a:t>Конструкция: try … catch …</a:t>
+              <a:t>StopIteraction</a:t>
             </a:r>
             <a:endParaRPr/>
           </a:p>
@@ -8189,7 +9075,7 @@
       </p:sp>
       <p:pic>
         <p:nvPicPr>
-          <p:cNvPr id="147" name="Google Shape;147;p28"/>
+          <p:cNvPr id="146" name="Google Shape;146;p28"/>
           <p:cNvPicPr preferRelativeResize="0"/>
           <p:nvPr/>
         </p:nvPicPr>
@@ -8203,8 +9089,36 @@
         </p:blipFill>
         <p:spPr>
           <a:xfrm>
-            <a:off x="2114550" y="1460925"/>
-            <a:ext cx="4914900" cy="2838450"/>
+            <a:off x="382600" y="1329775"/>
+            <a:ext cx="5743575" cy="3505200"/>
+          </a:xfrm>
+          <a:prstGeom prst="rect">
+            <a:avLst/>
+          </a:prstGeom>
+          <a:noFill/>
+          <a:ln>
+            <a:noFill/>
+          </a:ln>
+        </p:spPr>
+      </p:pic>
+      <p:pic>
+        <p:nvPicPr>
+          <p:cNvPr id="147" name="Google Shape;147;p28"/>
+          <p:cNvPicPr preferRelativeResize="0"/>
+          <p:nvPr/>
+        </p:nvPicPr>
+        <p:blipFill>
+          <a:blip r:embed="rId4">
+            <a:alphaModFix/>
+          </a:blip>
+          <a:stretch>
+            <a:fillRect/>
+          </a:stretch>
+        </p:blipFill>
+        <p:spPr>
+          <a:xfrm>
+            <a:off x="7386025" y="2663275"/>
+            <a:ext cx="1628775" cy="838200"/>
           </a:xfrm>
           <a:prstGeom prst="rect">
             <a:avLst/>
@@ -8270,6 +9184,11 @@
               <a:spcAft>
                 <a:spcPts val="0"/>
               </a:spcAft>
+              <a:buClr>
+                <a:schemeClr val="dk1"/>
+              </a:buClr>
+              <a:buSzPts val="1100"/>
+              <a:buFont typeface="Arial"/>
               <a:buNone/>
             </a:pPr>
             <a:r>
@@ -8280,22 +9199,52 @@
           </a:p>
         </p:txBody>
       </p:sp>
-      <p:sp>
-        <p:nvSpPr>
+      <p:pic>
+        <p:nvPicPr>
           <p:cNvPr id="153" name="Google Shape;153;p29"/>
-          <p:cNvSpPr txBox="1"/>
-          <p:nvPr>
-            <p:ph idx="1" type="body"/>
-          </p:nvPr>
-        </p:nvSpPr>
-        <p:spPr>
-          <a:xfrm>
-            <a:off x="311700" y="1152475"/>
-            <a:ext cx="8520600" cy="3416400"/>
+          <p:cNvPicPr preferRelativeResize="0"/>
+          <p:nvPr/>
+        </p:nvPicPr>
+        <p:blipFill>
+          <a:blip r:embed="rId3">
+            <a:alphaModFix/>
+          </a:blip>
+          <a:stretch>
+            <a:fillRect/>
+          </a:stretch>
+        </p:blipFill>
+        <p:spPr>
+          <a:xfrm>
+            <a:off x="2433625" y="2787700"/>
+            <a:ext cx="4276725" cy="2219325"/>
           </a:xfrm>
           <a:prstGeom prst="rect">
             <a:avLst/>
           </a:prstGeom>
+          <a:noFill/>
+          <a:ln>
+            <a:noFill/>
+          </a:ln>
+        </p:spPr>
+      </p:pic>
+      <p:sp>
+        <p:nvSpPr>
+          <p:cNvPr id="154" name="Google Shape;154;p29"/>
+          <p:cNvSpPr txBox="1"/>
+          <p:nvPr/>
+        </p:nvSpPr>
+        <p:spPr>
+          <a:xfrm>
+            <a:off x="385650" y="1123925"/>
+            <a:ext cx="8471100" cy="1248000"/>
+          </a:xfrm>
+          <a:prstGeom prst="rect">
+            <a:avLst/>
+          </a:prstGeom>
+          <a:noFill/>
+          <a:ln>
+            <a:noFill/>
+          </a:ln>
         </p:spPr>
         <p:txBody>
           <a:bodyPr anchorCtr="0" anchor="t" bIns="91425" lIns="91425" spcFirstLastPara="1" rIns="91425" wrap="square" tIns="91425">
@@ -8313,103 +9262,80 @@
               <a:buNone/>
             </a:pPr>
             <a:r>
-              <a:rPr lang="ru" u="sng">
-                <a:solidFill>
-                  <a:schemeClr val="hlink"/>
-                </a:solidFill>
-                <a:hlinkClick r:id="rId3"/>
-              </a:rPr>
-              <a:t>BaseException</a:t>
-            </a:r>
-            <a:r>
-              <a:rPr lang="ru"/>
-              <a:t> - </a:t>
-            </a:r>
-            <a:r>
-              <a:rPr lang="ru"/>
-              <a:t>системные</a:t>
-            </a:r>
-            <a:r>
-              <a:rPr lang="ru"/>
-              <a:t> ошибки. </a:t>
-            </a:r>
-            <a:endParaRPr/>
-          </a:p>
-          <a:p>
-            <a:pPr indent="0" lvl="0" marL="0" rtl="0" algn="l">
-              <a:spcBef>
-                <a:spcPts val="1600"/>
-              </a:spcBef>
-              <a:spcAft>
-                <a:spcPts val="0"/>
-              </a:spcAft>
-              <a:buNone/>
-            </a:pPr>
-            <a:r>
-              <a:rPr lang="ru" u="sng">
-                <a:solidFill>
-                  <a:schemeClr val="hlink"/>
-                </a:solidFill>
-                <a:hlinkClick r:id="rId4"/>
-              </a:rPr>
-              <a:t>Exception</a:t>
-            </a:r>
-            <a:r>
-              <a:rPr lang="ru"/>
-              <a:t> - </a:t>
-            </a:r>
-            <a:r>
               <a:rPr lang="ru">
                 <a:solidFill>
-                  <a:srgbClr val="252525"/>
+                  <a:srgbClr val="666666"/>
                 </a:solidFill>
               </a:rPr>
-              <a:t>Все встроенные исключения, не связанные с системными ошибками, являются производными от этого класса. Все пользовательские исключения также должны быть производными от этого класса.</a:t>
+              <a:t>С помощью ключевого слова </a:t>
+            </a:r>
+            <a:r>
+              <a:rPr b="1" lang="ru">
+                <a:solidFill>
+                  <a:srgbClr val="666666"/>
+                </a:solidFill>
+              </a:rPr>
+              <a:t>raise</a:t>
+            </a:r>
+            <a:r>
+              <a:rPr lang="ru">
+                <a:solidFill>
+                  <a:srgbClr val="666666"/>
+                </a:solidFill>
+              </a:rPr>
+              <a:t> - можно возбуждать исключение, при этом программа останавливает </a:t>
+            </a:r>
+            <a:r>
+              <a:rPr lang="ru">
+                <a:solidFill>
+                  <a:srgbClr val="666666"/>
+                </a:solidFill>
+              </a:rPr>
+              <a:t>выполнение</a:t>
+            </a:r>
+            <a:r>
+              <a:rPr lang="ru">
+                <a:solidFill>
+                  <a:srgbClr val="666666"/>
+                </a:solidFill>
+              </a:rPr>
+              <a:t> и управление передается подходящему блоку catch - тип исключение </a:t>
+            </a:r>
+            <a:r>
+              <a:rPr lang="ru">
+                <a:solidFill>
+                  <a:srgbClr val="666666"/>
+                </a:solidFill>
+              </a:rPr>
+              <a:t>соответствует</a:t>
+            </a:r>
+            <a:r>
+              <a:rPr lang="ru">
+                <a:solidFill>
+                  <a:srgbClr val="666666"/>
+                </a:solidFill>
+              </a:rPr>
+              <a:t> типу обрабатываемого. Если подходящего блок не найден, то программа </a:t>
+            </a:r>
+            <a:r>
+              <a:rPr lang="ru">
+                <a:solidFill>
+                  <a:srgbClr val="666666"/>
+                </a:solidFill>
+              </a:rPr>
+              <a:t>прекращает</a:t>
+            </a:r>
+            <a:r>
+              <a:rPr lang="ru">
+                <a:solidFill>
+                  <a:srgbClr val="666666"/>
+                </a:solidFill>
+              </a:rPr>
+              <a:t> выполнение и останавливается, при этом в стандартный поток вывода, выводиться информация об ошибке.</a:t>
             </a:r>
             <a:endParaRPr>
               <a:solidFill>
-                <a:srgbClr val="252525"/>
-              </a:solidFill>
-            </a:endParaRPr>
-          </a:p>
-          <a:p>
-            <a:pPr indent="0" lvl="0" marL="0" rtl="0" algn="l">
-              <a:spcBef>
-                <a:spcPts val="1600"/>
-              </a:spcBef>
-              <a:spcAft>
-                <a:spcPts val="1600"/>
-              </a:spcAft>
-              <a:buNone/>
-            </a:pPr>
-            <a:r>
-              <a:rPr lang="ru">
-                <a:solidFill>
-                  <a:srgbClr val="252525"/>
-                </a:solidFill>
-              </a:rPr>
-              <a:t>Полный список встроенных исключений можно найти </a:t>
-            </a:r>
-            <a:r>
-              <a:rPr lang="ru" u="sng">
-                <a:solidFill>
-                  <a:schemeClr val="hlink"/>
-                </a:solidFill>
-                <a:hlinkClick r:id="rId5"/>
-              </a:rPr>
-              <a:t>здесь</a:t>
-            </a:r>
-            <a:r>
-              <a:rPr lang="ru">
-                <a:solidFill>
-                  <a:srgbClr val="252525"/>
-                </a:solidFill>
-              </a:rPr>
-              <a:t>.</a:t>
-            </a:r>
-            <a:endParaRPr>
-              <a:solidFill>
-                <a:srgbClr val="252525"/>
+                <a:srgbClr val="666666"/>
               </a:solidFill>
             </a:endParaRPr>
           </a:p>
@@ -8428,7 +9354,7 @@
   <p:cSld>
     <p:spTree>
       <p:nvGrpSpPr>
-        <p:cNvPr id="157" name="Shape 157"/>
+        <p:cNvPr id="158" name="Shape 158"/>
         <p:cNvGrpSpPr/>
         <p:nvPr/>
       </p:nvGrpSpPr>
@@ -8442,7 +9368,7 @@
       </p:grpSpPr>
       <p:sp>
         <p:nvSpPr>
-          <p:cNvPr id="158" name="Google Shape;158;p30"/>
+          <p:cNvPr id="159" name="Google Shape;159;p30"/>
           <p:cNvSpPr txBox="1"/>
           <p:nvPr>
             <p:ph type="title"/>
@@ -8470,11 +9396,6 @@
               <a:spcAft>
                 <a:spcPts val="0"/>
               </a:spcAft>
-              <a:buClr>
-                <a:schemeClr val="dk1"/>
-              </a:buClr>
-              <a:buSzPts val="1100"/>
-              <a:buFont typeface="Arial"/>
               <a:buNone/>
             </a:pPr>
             <a:r>
@@ -8487,7 +9408,7 @@
       </p:sp>
       <p:pic>
         <p:nvPicPr>
-          <p:cNvPr id="159" name="Google Shape;159;p30"/>
+          <p:cNvPr id="160" name="Google Shape;160;p30"/>
           <p:cNvPicPr preferRelativeResize="0"/>
           <p:nvPr/>
         </p:nvPicPr>
@@ -8501,8 +9422,8 @@
         </p:blipFill>
         <p:spPr>
           <a:xfrm>
-            <a:off x="2568513" y="2666550"/>
-            <a:ext cx="4276725" cy="2219325"/>
+            <a:off x="1860825" y="1254950"/>
+            <a:ext cx="4279492" cy="3820975"/>
           </a:xfrm>
           <a:prstGeom prst="rect">
             <a:avLst/>
@@ -8513,72 +9434,6 @@
           </a:ln>
         </p:spPr>
       </p:pic>
-      <p:sp>
-        <p:nvSpPr>
-          <p:cNvPr id="160" name="Google Shape;160;p30"/>
-          <p:cNvSpPr txBox="1"/>
-          <p:nvPr/>
-        </p:nvSpPr>
-        <p:spPr>
-          <a:xfrm>
-            <a:off x="659850" y="1245075"/>
-            <a:ext cx="8372700" cy="739200"/>
-          </a:xfrm>
-          <a:prstGeom prst="rect">
-            <a:avLst/>
-          </a:prstGeom>
-          <a:noFill/>
-          <a:ln>
-            <a:noFill/>
-          </a:ln>
-        </p:spPr>
-        <p:txBody>
-          <a:bodyPr anchorCtr="0" anchor="t" bIns="91425" lIns="91425" spcFirstLastPara="1" rIns="91425" wrap="square" tIns="91425">
-            <a:noAutofit/>
-          </a:bodyPr>
-          <a:lstStyle/>
-          <a:p>
-            <a:pPr indent="0" lvl="0" marL="0" rtl="0" algn="l">
-              <a:spcBef>
-                <a:spcPts val="0"/>
-              </a:spcBef>
-              <a:spcAft>
-                <a:spcPts val="0"/>
-              </a:spcAft>
-              <a:buNone/>
-            </a:pPr>
-            <a:r>
-              <a:rPr lang="ru"/>
-              <a:t>С помощью ключевого слова raise - можно возбуждать исключение, при этом программа останавливает </a:t>
-            </a:r>
-            <a:r>
-              <a:rPr lang="ru"/>
-              <a:t>выполнение</a:t>
-            </a:r>
-            <a:r>
-              <a:rPr lang="ru"/>
-              <a:t> и управление передается подходящему блоку catch - тип исключение </a:t>
-            </a:r>
-            <a:r>
-              <a:rPr lang="ru"/>
-              <a:t>соответствует</a:t>
-            </a:r>
-            <a:r>
-              <a:rPr lang="ru"/>
-              <a:t> типу обрабатываемого. Если подходящего блок не найден, то программа </a:t>
-            </a:r>
-            <a:r>
-              <a:rPr lang="ru"/>
-              <a:t>прекращает</a:t>
-            </a:r>
-            <a:r>
-              <a:rPr lang="ru"/>
-              <a:t> выполнение и останавливается, при этом в стандартный поток вывода, выводиться информация об ошибке.</a:t>
-            </a:r>
-            <a:endParaRPr/>
-          </a:p>
-        </p:txBody>
-      </p:sp>
     </p:spTree>
   </p:cSld>
   <p:clrMapOvr>
@@ -8638,7 +9493,7 @@
             </a:pPr>
             <a:r>
               <a:rPr lang="ru"/>
-              <a:t>Пользовательские классы исключений</a:t>
+              <a:t>Форматирование строк.</a:t>
             </a:r>
             <a:endParaRPr/>
           </a:p>
@@ -8660,8 +9515,8 @@
         </p:blipFill>
         <p:spPr>
           <a:xfrm>
-            <a:off x="1860825" y="1254950"/>
-            <a:ext cx="4279492" cy="3820975"/>
+            <a:off x="3745950" y="1432875"/>
+            <a:ext cx="5086350" cy="2514600"/>
           </a:xfrm>
           <a:prstGeom prst="rect">
             <a:avLst/>
@@ -8672,6 +9527,56 @@
           </a:ln>
         </p:spPr>
       </p:pic>
+      <p:sp>
+        <p:nvSpPr>
+          <p:cNvPr id="167" name="Google Shape;167;p31"/>
+          <p:cNvSpPr txBox="1"/>
+          <p:nvPr/>
+        </p:nvSpPr>
+        <p:spPr>
+          <a:xfrm>
+            <a:off x="447800" y="1432875"/>
+            <a:ext cx="3071700" cy="923400"/>
+          </a:xfrm>
+          <a:prstGeom prst="rect">
+            <a:avLst/>
+          </a:prstGeom>
+          <a:noFill/>
+          <a:ln>
+            <a:noFill/>
+          </a:ln>
+        </p:spPr>
+        <p:txBody>
+          <a:bodyPr anchorCtr="0" anchor="t" bIns="91425" lIns="91425" spcFirstLastPara="1" rIns="91425" wrap="square" tIns="91425">
+            <a:spAutoFit/>
+          </a:bodyPr>
+          <a:lstStyle/>
+          <a:p>
+            <a:pPr indent="0" lvl="0" marL="0" rtl="0" algn="l">
+              <a:spcBef>
+                <a:spcPts val="0"/>
+              </a:spcBef>
+              <a:spcAft>
+                <a:spcPts val="0"/>
+              </a:spcAft>
+              <a:buNone/>
+            </a:pPr>
+            <a:r>
+              <a:rPr lang="ru" sz="1600">
+                <a:solidFill>
+                  <a:srgbClr val="666666"/>
+                </a:solidFill>
+              </a:rPr>
+              <a:t>Старый стиль форматирования строк, иногда может быть полезен..</a:t>
+            </a:r>
+            <a:endParaRPr sz="1600">
+              <a:solidFill>
+                <a:srgbClr val="666666"/>
+              </a:solidFill>
+            </a:endParaRPr>
+          </a:p>
+        </p:txBody>
+      </p:sp>
     </p:spTree>
   </p:cSld>
   <p:clrMapOvr>
@@ -8813,7 +9718,7 @@
   <p:cSld>
     <p:spTree>
       <p:nvGrpSpPr>
-        <p:cNvPr id="170" name="Shape 170"/>
+        <p:cNvPr id="171" name="Shape 171"/>
         <p:cNvGrpSpPr/>
         <p:nvPr/>
       </p:nvGrpSpPr>
@@ -8827,7 +9732,1282 @@
       </p:grpSpPr>
       <p:sp>
         <p:nvSpPr>
-          <p:cNvPr id="171" name="Google Shape;171;p32"/>
+          <p:cNvPr id="172" name="Google Shape;172;p32"/>
+          <p:cNvSpPr txBox="1"/>
+          <p:nvPr>
+            <p:ph type="title"/>
+          </p:nvPr>
+        </p:nvSpPr>
+        <p:spPr>
+          <a:xfrm>
+            <a:off x="311700" y="445025"/>
+            <a:ext cx="8520600" cy="572700"/>
+          </a:xfrm>
+          <a:prstGeom prst="rect">
+            <a:avLst/>
+          </a:prstGeom>
+        </p:spPr>
+        <p:txBody>
+          <a:bodyPr anchorCtr="0" anchor="t" bIns="91425" lIns="91425" spcFirstLastPara="1" rIns="91425" wrap="square" tIns="91425">
+            <a:noAutofit/>
+          </a:bodyPr>
+          <a:lstStyle/>
+          <a:p>
+            <a:pPr indent="0" lvl="0" marL="0" rtl="0" algn="l">
+              <a:spcBef>
+                <a:spcPts val="0"/>
+              </a:spcBef>
+              <a:spcAft>
+                <a:spcPts val="0"/>
+              </a:spcAft>
+              <a:buNone/>
+            </a:pPr>
+            <a:r>
+              <a:rPr lang="ru"/>
+              <a:t>Форматирование строк (format).</a:t>
+            </a:r>
+            <a:endParaRPr/>
+          </a:p>
+        </p:txBody>
+      </p:sp>
+      <p:pic>
+        <p:nvPicPr>
+          <p:cNvPr id="173" name="Google Shape;173;p32"/>
+          <p:cNvPicPr preferRelativeResize="0"/>
+          <p:nvPr/>
+        </p:nvPicPr>
+        <p:blipFill>
+          <a:blip r:embed="rId3">
+            <a:alphaModFix/>
+          </a:blip>
+          <a:stretch>
+            <a:fillRect/>
+          </a:stretch>
+        </p:blipFill>
+        <p:spPr>
+          <a:xfrm>
+            <a:off x="1152025" y="1533625"/>
+            <a:ext cx="6496050" cy="762000"/>
+          </a:xfrm>
+          <a:prstGeom prst="rect">
+            <a:avLst/>
+          </a:prstGeom>
+          <a:noFill/>
+          <a:ln>
+            <a:noFill/>
+          </a:ln>
+        </p:spPr>
+      </p:pic>
+      <p:pic>
+        <p:nvPicPr>
+          <p:cNvPr id="174" name="Google Shape;174;p32"/>
+          <p:cNvPicPr preferRelativeResize="0"/>
+          <p:nvPr/>
+        </p:nvPicPr>
+        <p:blipFill>
+          <a:blip r:embed="rId4">
+            <a:alphaModFix/>
+          </a:blip>
+          <a:stretch>
+            <a:fillRect/>
+          </a:stretch>
+        </p:blipFill>
+        <p:spPr>
+          <a:xfrm>
+            <a:off x="881063" y="3344650"/>
+            <a:ext cx="7381875" cy="628650"/>
+          </a:xfrm>
+          <a:prstGeom prst="rect">
+            <a:avLst/>
+          </a:prstGeom>
+          <a:noFill/>
+          <a:ln>
+            <a:noFill/>
+          </a:ln>
+        </p:spPr>
+      </p:pic>
+    </p:spTree>
+  </p:cSld>
+  <p:clrMapOvr>
+    <a:masterClrMapping/>
+  </p:clrMapOvr>
+</p:sld>
+</file>
+
+<file path=ppt/slides/slide21.xml><?xml version="1.0" encoding="utf-8"?>
+<p:sld xmlns:a="http://schemas.openxmlformats.org/drawingml/2006/main" xmlns:r="http://schemas.openxmlformats.org/officeDocument/2006/relationships" xmlns:mc="http://schemas.openxmlformats.org/markup-compatibility/2006" xmlns:mv="urn:schemas-microsoft-com:mac:vml" xmlns:p="http://schemas.openxmlformats.org/presentationml/2006/main" xmlns:c="http://schemas.openxmlformats.org/drawingml/2006/chart" xmlns:dgm="http://schemas.openxmlformats.org/drawingml/2006/diagram" xmlns:o="urn:schemas-microsoft-com:office:office" xmlns:v="urn:schemas-microsoft-com:vml" xmlns:pvml="urn:schemas-microsoft-com:office:powerpoint" xmlns:com="http://schemas.openxmlformats.org/drawingml/2006/compatibility" xmlns:p14="http://schemas.microsoft.com/office/powerpoint/2010/main" xmlns:p15="http://schemas.microsoft.com/office/powerpoint/2012/main" xmlns:ahyp="http://schemas.microsoft.com/office/drawing/2018/hyperlinkcolor">
+  <p:cSld>
+    <p:spTree>
+      <p:nvGrpSpPr>
+        <p:cNvPr id="178" name="Shape 178"/>
+        <p:cNvGrpSpPr/>
+        <p:nvPr/>
+      </p:nvGrpSpPr>
+      <p:grpSpPr>
+        <a:xfrm>
+          <a:off x="0" y="0"/>
+          <a:ext cx="0" cy="0"/>
+          <a:chOff x="0" y="0"/>
+          <a:chExt cx="0" cy="0"/>
+        </a:xfrm>
+      </p:grpSpPr>
+      <p:sp>
+        <p:nvSpPr>
+          <p:cNvPr id="179" name="Google Shape;179;p33"/>
+          <p:cNvSpPr txBox="1"/>
+          <p:nvPr>
+            <p:ph type="title"/>
+          </p:nvPr>
+        </p:nvSpPr>
+        <p:spPr>
+          <a:xfrm>
+            <a:off x="311700" y="445025"/>
+            <a:ext cx="8520600" cy="572700"/>
+          </a:xfrm>
+          <a:prstGeom prst="rect">
+            <a:avLst/>
+          </a:prstGeom>
+        </p:spPr>
+        <p:txBody>
+          <a:bodyPr anchorCtr="0" anchor="t" bIns="91425" lIns="91425" spcFirstLastPara="1" rIns="91425" wrap="square" tIns="91425">
+            <a:noAutofit/>
+          </a:bodyPr>
+          <a:lstStyle/>
+          <a:p>
+            <a:pPr indent="0" lvl="0" marL="0" rtl="0" algn="l">
+              <a:spcBef>
+                <a:spcPts val="0"/>
+              </a:spcBef>
+              <a:spcAft>
+                <a:spcPts val="0"/>
+              </a:spcAft>
+              <a:buNone/>
+            </a:pPr>
+            <a:r>
+              <a:rPr lang="ru"/>
+              <a:t>Форматирование строк (f string).</a:t>
+            </a:r>
+            <a:endParaRPr/>
+          </a:p>
+        </p:txBody>
+      </p:sp>
+      <p:sp>
+        <p:nvSpPr>
+          <p:cNvPr id="180" name="Google Shape;180;p33"/>
+          <p:cNvSpPr txBox="1"/>
+          <p:nvPr>
+            <p:ph idx="1" type="body"/>
+          </p:nvPr>
+        </p:nvSpPr>
+        <p:spPr>
+          <a:xfrm>
+            <a:off x="311700" y="1152475"/>
+            <a:ext cx="8520600" cy="522600"/>
+          </a:xfrm>
+          <a:prstGeom prst="rect">
+            <a:avLst/>
+          </a:prstGeom>
+        </p:spPr>
+        <p:txBody>
+          <a:bodyPr anchorCtr="0" anchor="t" bIns="91425" lIns="91425" spcFirstLastPara="1" rIns="91425" wrap="square" tIns="91425">
+            <a:noAutofit/>
+          </a:bodyPr>
+          <a:lstStyle/>
+          <a:p>
+            <a:pPr indent="0" lvl="0" marL="0" rtl="0" algn="l">
+              <a:spcBef>
+                <a:spcPts val="0"/>
+              </a:spcBef>
+              <a:spcAft>
+                <a:spcPts val="0"/>
+              </a:spcAft>
+              <a:buNone/>
+            </a:pPr>
+            <a:r>
+              <a:rPr lang="ru"/>
+              <a:t>fstring появились с релизом python 3.4 - позволяют форматировать строки на лету подставляя текущее значение переменной.</a:t>
+            </a:r>
+            <a:endParaRPr/>
+          </a:p>
+          <a:p>
+            <a:pPr indent="0" lvl="0" marL="0" rtl="0" algn="l">
+              <a:spcBef>
+                <a:spcPts val="1600"/>
+              </a:spcBef>
+              <a:spcAft>
+                <a:spcPts val="1600"/>
+              </a:spcAft>
+              <a:buNone/>
+            </a:pPr>
+            <a:r>
+              <a:t/>
+            </a:r>
+            <a:endParaRPr/>
+          </a:p>
+        </p:txBody>
+      </p:sp>
+      <p:pic>
+        <p:nvPicPr>
+          <p:cNvPr id="181" name="Google Shape;181;p33"/>
+          <p:cNvPicPr preferRelativeResize="0"/>
+          <p:nvPr/>
+        </p:nvPicPr>
+        <p:blipFill>
+          <a:blip r:embed="rId3">
+            <a:alphaModFix/>
+          </a:blip>
+          <a:stretch>
+            <a:fillRect/>
+          </a:stretch>
+        </p:blipFill>
+        <p:spPr>
+          <a:xfrm>
+            <a:off x="2449625" y="2251550"/>
+            <a:ext cx="4305300" cy="1276350"/>
+          </a:xfrm>
+          <a:prstGeom prst="rect">
+            <a:avLst/>
+          </a:prstGeom>
+          <a:noFill/>
+          <a:ln>
+            <a:noFill/>
+          </a:ln>
+        </p:spPr>
+      </p:pic>
+      <p:sp>
+        <p:nvSpPr>
+          <p:cNvPr id="182" name="Google Shape;182;p33"/>
+          <p:cNvSpPr txBox="1"/>
+          <p:nvPr/>
+        </p:nvSpPr>
+        <p:spPr>
+          <a:xfrm>
+            <a:off x="311700" y="3638125"/>
+            <a:ext cx="8232900" cy="872400"/>
+          </a:xfrm>
+          <a:prstGeom prst="rect">
+            <a:avLst/>
+          </a:prstGeom>
+          <a:noFill/>
+          <a:ln>
+            <a:noFill/>
+          </a:ln>
+        </p:spPr>
+        <p:txBody>
+          <a:bodyPr anchorCtr="0" anchor="t" bIns="91425" lIns="91425" spcFirstLastPara="1" rIns="91425" wrap="square" tIns="91425">
+            <a:noAutofit/>
+          </a:bodyPr>
+          <a:lstStyle/>
+          <a:p>
+            <a:pPr indent="0" lvl="0" marL="0" rtl="0" algn="l">
+              <a:spcBef>
+                <a:spcPts val="0"/>
+              </a:spcBef>
+              <a:spcAft>
+                <a:spcPts val="0"/>
+              </a:spcAft>
+              <a:buNone/>
+            </a:pPr>
+            <a:r>
+              <a:rPr lang="ru" sz="1800">
+                <a:solidFill>
+                  <a:srgbClr val="666666"/>
+                </a:solidFill>
+              </a:rPr>
+              <a:t>!Переменные должны быть определены на момент формирования строки. Иначе это приведет к ошибкам.</a:t>
+            </a:r>
+            <a:endParaRPr sz="1800">
+              <a:solidFill>
+                <a:srgbClr val="666666"/>
+              </a:solidFill>
+            </a:endParaRPr>
+          </a:p>
+        </p:txBody>
+      </p:sp>
+    </p:spTree>
+  </p:cSld>
+  <p:clrMapOvr>
+    <a:masterClrMapping/>
+  </p:clrMapOvr>
+</p:sld>
+</file>
+
+<file path=ppt/slides/slide22.xml><?xml version="1.0" encoding="utf-8"?>
+<p:sld xmlns:a="http://schemas.openxmlformats.org/drawingml/2006/main" xmlns:r="http://schemas.openxmlformats.org/officeDocument/2006/relationships" xmlns:mc="http://schemas.openxmlformats.org/markup-compatibility/2006" xmlns:mv="urn:schemas-microsoft-com:mac:vml" xmlns:p="http://schemas.openxmlformats.org/presentationml/2006/main" xmlns:c="http://schemas.openxmlformats.org/drawingml/2006/chart" xmlns:dgm="http://schemas.openxmlformats.org/drawingml/2006/diagram" xmlns:o="urn:schemas-microsoft-com:office:office" xmlns:v="urn:schemas-microsoft-com:vml" xmlns:pvml="urn:schemas-microsoft-com:office:powerpoint" xmlns:com="http://schemas.openxmlformats.org/drawingml/2006/compatibility" xmlns:p14="http://schemas.microsoft.com/office/powerpoint/2010/main" xmlns:p15="http://schemas.microsoft.com/office/powerpoint/2012/main" xmlns:ahyp="http://schemas.microsoft.com/office/drawing/2018/hyperlinkcolor">
+  <p:cSld>
+    <p:spTree>
+      <p:nvGrpSpPr>
+        <p:cNvPr id="186" name="Shape 186"/>
+        <p:cNvGrpSpPr/>
+        <p:nvPr/>
+      </p:nvGrpSpPr>
+      <p:grpSpPr>
+        <a:xfrm>
+          <a:off x="0" y="0"/>
+          <a:ext cx="0" cy="0"/>
+          <a:chOff x="0" y="0"/>
+          <a:chExt cx="0" cy="0"/>
+        </a:xfrm>
+      </p:grpSpPr>
+      <p:sp>
+        <p:nvSpPr>
+          <p:cNvPr id="187" name="Google Shape;187;p34"/>
+          <p:cNvSpPr txBox="1"/>
+          <p:nvPr>
+            <p:ph type="title"/>
+          </p:nvPr>
+        </p:nvSpPr>
+        <p:spPr>
+          <a:xfrm>
+            <a:off x="311700" y="445025"/>
+            <a:ext cx="8520600" cy="572700"/>
+          </a:xfrm>
+          <a:prstGeom prst="rect">
+            <a:avLst/>
+          </a:prstGeom>
+        </p:spPr>
+        <p:txBody>
+          <a:bodyPr anchorCtr="0" anchor="t" bIns="91425" lIns="91425" spcFirstLastPara="1" rIns="91425" wrap="square" tIns="91425">
+            <a:noAutofit/>
+          </a:bodyPr>
+          <a:lstStyle/>
+          <a:p>
+            <a:pPr indent="0" lvl="0" marL="0" rtl="0" algn="l">
+              <a:spcBef>
+                <a:spcPts val="0"/>
+              </a:spcBef>
+              <a:spcAft>
+                <a:spcPts val="0"/>
+              </a:spcAft>
+              <a:buNone/>
+            </a:pPr>
+            <a:r>
+              <a:rPr lang="ru"/>
+              <a:t>Магические методы.</a:t>
+            </a:r>
+            <a:endParaRPr/>
+          </a:p>
+        </p:txBody>
+      </p:sp>
+      <p:sp>
+        <p:nvSpPr>
+          <p:cNvPr id="188" name="Google Shape;188;p34"/>
+          <p:cNvSpPr txBox="1"/>
+          <p:nvPr>
+            <p:ph idx="1" type="body"/>
+          </p:nvPr>
+        </p:nvSpPr>
+        <p:spPr>
+          <a:xfrm>
+            <a:off x="311700" y="1152475"/>
+            <a:ext cx="8520600" cy="2029800"/>
+          </a:xfrm>
+          <a:prstGeom prst="rect">
+            <a:avLst/>
+          </a:prstGeom>
+        </p:spPr>
+        <p:txBody>
+          <a:bodyPr anchorCtr="0" anchor="t" bIns="91425" lIns="91425" spcFirstLastPara="1" rIns="91425" wrap="square" tIns="91425">
+            <a:noAutofit/>
+          </a:bodyPr>
+          <a:lstStyle/>
+          <a:p>
+            <a:pPr indent="0" lvl="0" marL="0" rtl="0" algn="l">
+              <a:spcBef>
+                <a:spcPts val="0"/>
+              </a:spcBef>
+              <a:spcAft>
+                <a:spcPts val="0"/>
+              </a:spcAft>
+              <a:buNone/>
+            </a:pPr>
+            <a:r>
+              <a:rPr b="1" lang="ru">
+                <a:solidFill>
+                  <a:srgbClr val="666666"/>
+                </a:solidFill>
+                <a:highlight>
+                  <a:srgbClr val="FFFFFF"/>
+                </a:highlight>
+              </a:rPr>
+              <a:t>Магические методы</a:t>
+            </a:r>
+            <a:r>
+              <a:rPr lang="ru">
+                <a:solidFill>
+                  <a:srgbClr val="666666"/>
+                </a:solidFill>
+                <a:highlight>
+                  <a:srgbClr val="FFFFFF"/>
+                </a:highlight>
+              </a:rPr>
+              <a:t> (Dunder methods) - это подход в python к </a:t>
+            </a:r>
+            <a:r>
+              <a:rPr i="1" lang="ru">
+                <a:solidFill>
+                  <a:srgbClr val="666666"/>
+                </a:solidFill>
+                <a:highlight>
+                  <a:srgbClr val="FFFFFF"/>
+                </a:highlight>
+              </a:rPr>
+              <a:t>перегрузке операторов</a:t>
+            </a:r>
+            <a:r>
+              <a:rPr lang="ru">
+                <a:solidFill>
+                  <a:srgbClr val="666666"/>
+                </a:solidFill>
+                <a:highlight>
+                  <a:srgbClr val="FFFFFF"/>
+                </a:highlight>
+              </a:rPr>
+              <a:t>, позволяющий классам определять свое поведение в </a:t>
+            </a:r>
+            <a:r>
+              <a:rPr i="1" lang="ru">
+                <a:solidFill>
+                  <a:srgbClr val="666666"/>
+                </a:solidFill>
+                <a:highlight>
+                  <a:srgbClr val="FFFFFF"/>
+                </a:highlight>
+              </a:rPr>
+              <a:t>отношении операторов языка</a:t>
+            </a:r>
+            <a:r>
+              <a:rPr lang="ru">
+                <a:solidFill>
+                  <a:srgbClr val="666666"/>
+                </a:solidFill>
+                <a:highlight>
+                  <a:srgbClr val="FFFFFF"/>
+                </a:highlight>
+              </a:rPr>
+              <a:t>. Подобные методы добавляются в реализацию класса и должны называться определенным образом</a:t>
+            </a:r>
+            <a:endParaRPr>
+              <a:solidFill>
+                <a:srgbClr val="666666"/>
+              </a:solidFill>
+              <a:highlight>
+                <a:srgbClr val="FFFFFF"/>
+              </a:highlight>
+            </a:endParaRPr>
+          </a:p>
+          <a:p>
+            <a:pPr indent="0" lvl="0" marL="0" rtl="0" algn="ctr">
+              <a:spcBef>
+                <a:spcPts val="1600"/>
+              </a:spcBef>
+              <a:spcAft>
+                <a:spcPts val="0"/>
+              </a:spcAft>
+              <a:buNone/>
+            </a:pPr>
+            <a:r>
+              <a:rPr b="1" lang="ru">
+                <a:solidFill>
+                  <a:srgbClr val="666666"/>
+                </a:solidFill>
+                <a:highlight>
+                  <a:srgbClr val="FFFFFF"/>
+                </a:highlight>
+              </a:rPr>
+              <a:t>def</a:t>
+            </a:r>
+            <a:r>
+              <a:rPr lang="ru">
+                <a:solidFill>
+                  <a:srgbClr val="666666"/>
+                </a:solidFill>
+                <a:highlight>
+                  <a:srgbClr val="FFFFFF"/>
+                </a:highlight>
+              </a:rPr>
+              <a:t> __&lt;meth_name&gt;__(args....):</a:t>
+            </a:r>
+            <a:endParaRPr>
+              <a:solidFill>
+                <a:srgbClr val="666666"/>
+              </a:solidFill>
+              <a:highlight>
+                <a:srgbClr val="FFFFFF"/>
+              </a:highlight>
+            </a:endParaRPr>
+          </a:p>
+          <a:p>
+            <a:pPr indent="0" lvl="0" marL="0" rtl="0" algn="ctr">
+              <a:spcBef>
+                <a:spcPts val="1600"/>
+              </a:spcBef>
+              <a:spcAft>
+                <a:spcPts val="1600"/>
+              </a:spcAft>
+              <a:buNone/>
+            </a:pPr>
+            <a:r>
+              <a:t/>
+            </a:r>
+            <a:endParaRPr>
+              <a:solidFill>
+                <a:srgbClr val="333333"/>
+              </a:solidFill>
+              <a:highlight>
+                <a:srgbClr val="FFFFFF"/>
+              </a:highlight>
+            </a:endParaRPr>
+          </a:p>
+        </p:txBody>
+      </p:sp>
+      <p:sp>
+        <p:nvSpPr>
+          <p:cNvPr id="189" name="Google Shape;189;p34"/>
+          <p:cNvSpPr txBox="1"/>
+          <p:nvPr/>
+        </p:nvSpPr>
+        <p:spPr>
+          <a:xfrm>
+            <a:off x="311700" y="4096500"/>
+            <a:ext cx="8670900" cy="894600"/>
+          </a:xfrm>
+          <a:prstGeom prst="rect">
+            <a:avLst/>
+          </a:prstGeom>
+          <a:noFill/>
+          <a:ln>
+            <a:noFill/>
+          </a:ln>
+        </p:spPr>
+        <p:txBody>
+          <a:bodyPr anchorCtr="0" anchor="t" bIns="91425" lIns="91425" spcFirstLastPara="1" rIns="91425" wrap="square" tIns="91425">
+            <a:noAutofit/>
+          </a:bodyPr>
+          <a:lstStyle/>
+          <a:p>
+            <a:pPr indent="0" lvl="0" marL="0" rtl="0" algn="l">
+              <a:lnSpc>
+                <a:spcPct val="115000"/>
+              </a:lnSpc>
+              <a:spcBef>
+                <a:spcPts val="0"/>
+              </a:spcBef>
+              <a:spcAft>
+                <a:spcPts val="1600"/>
+              </a:spcAft>
+              <a:buClr>
+                <a:schemeClr val="dk1"/>
+              </a:buClr>
+              <a:buSzPts val="1100"/>
+              <a:buFont typeface="Arial"/>
+              <a:buNone/>
+            </a:pPr>
+            <a:r>
+              <a:rPr lang="ru" sz="1800">
+                <a:solidFill>
+                  <a:schemeClr val="dk2"/>
+                </a:solidFill>
+              </a:rPr>
+              <a:t>Со всем списков методов и описанием можно ознакомиться в этой </a:t>
+            </a:r>
+            <a:r>
+              <a:rPr lang="ru" sz="1800" u="sng">
+                <a:solidFill>
+                  <a:schemeClr val="accent5"/>
+                </a:solidFill>
+                <a:hlinkClick r:id="rId3">
+                  <a:extLst>
+                    <a:ext uri="{A12FA001-AC4F-418D-AE19-62706E023703}">
+                      <ahyp:hlinkClr val="tx"/>
+                    </a:ext>
+                  </a:extLst>
+                </a:hlinkClick>
+              </a:rPr>
+              <a:t>статье</a:t>
+            </a:r>
+            <a:r>
+              <a:rPr lang="ru" sz="1800">
+                <a:solidFill>
+                  <a:schemeClr val="dk2"/>
+                </a:solidFill>
+              </a:rPr>
+              <a:t>.</a:t>
+            </a:r>
+            <a:endParaRPr/>
+          </a:p>
+        </p:txBody>
+      </p:sp>
+    </p:spTree>
+  </p:cSld>
+  <p:clrMapOvr>
+    <a:masterClrMapping/>
+  </p:clrMapOvr>
+</p:sld>
+</file>
+
+<file path=ppt/slides/slide23.xml><?xml version="1.0" encoding="utf-8"?>
+<p:sld xmlns:a="http://schemas.openxmlformats.org/drawingml/2006/main" xmlns:r="http://schemas.openxmlformats.org/officeDocument/2006/relationships" xmlns:mc="http://schemas.openxmlformats.org/markup-compatibility/2006" xmlns:mv="urn:schemas-microsoft-com:mac:vml" xmlns:p="http://schemas.openxmlformats.org/presentationml/2006/main" xmlns:c="http://schemas.openxmlformats.org/drawingml/2006/chart" xmlns:dgm="http://schemas.openxmlformats.org/drawingml/2006/diagram" xmlns:o="urn:schemas-microsoft-com:office:office" xmlns:v="urn:schemas-microsoft-com:vml" xmlns:pvml="urn:schemas-microsoft-com:office:powerpoint" xmlns:com="http://schemas.openxmlformats.org/drawingml/2006/compatibility" xmlns:p14="http://schemas.microsoft.com/office/powerpoint/2010/main" xmlns:p15="http://schemas.microsoft.com/office/powerpoint/2012/main" xmlns:ahyp="http://schemas.microsoft.com/office/drawing/2018/hyperlinkcolor">
+  <p:cSld>
+    <p:spTree>
+      <p:nvGrpSpPr>
+        <p:cNvPr id="193" name="Shape 193"/>
+        <p:cNvGrpSpPr/>
+        <p:nvPr/>
+      </p:nvGrpSpPr>
+      <p:grpSpPr>
+        <a:xfrm>
+          <a:off x="0" y="0"/>
+          <a:ext cx="0" cy="0"/>
+          <a:chOff x="0" y="0"/>
+          <a:chExt cx="0" cy="0"/>
+        </a:xfrm>
+      </p:grpSpPr>
+      <p:sp>
+        <p:nvSpPr>
+          <p:cNvPr id="194" name="Google Shape;194;p35"/>
+          <p:cNvSpPr txBox="1"/>
+          <p:nvPr>
+            <p:ph type="title"/>
+          </p:nvPr>
+        </p:nvSpPr>
+        <p:spPr>
+          <a:xfrm>
+            <a:off x="311700" y="445025"/>
+            <a:ext cx="8520600" cy="572700"/>
+          </a:xfrm>
+          <a:prstGeom prst="rect">
+            <a:avLst/>
+          </a:prstGeom>
+        </p:spPr>
+        <p:txBody>
+          <a:bodyPr anchorCtr="0" anchor="t" bIns="91425" lIns="91425" spcFirstLastPara="1" rIns="91425" wrap="square" tIns="91425">
+            <a:noAutofit/>
+          </a:bodyPr>
+          <a:lstStyle/>
+          <a:p>
+            <a:pPr indent="0" lvl="0" marL="0" rtl="0" algn="l">
+              <a:spcBef>
+                <a:spcPts val="0"/>
+              </a:spcBef>
+              <a:spcAft>
+                <a:spcPts val="0"/>
+              </a:spcAft>
+              <a:buClr>
+                <a:schemeClr val="dk1"/>
+              </a:buClr>
+              <a:buSzPts val="1100"/>
+              <a:buFont typeface="Arial"/>
+              <a:buNone/>
+            </a:pPr>
+            <a:r>
+              <a:rPr lang="ru"/>
+              <a:t>Магические методы.</a:t>
+            </a:r>
+            <a:endParaRPr/>
+          </a:p>
+        </p:txBody>
+      </p:sp>
+      <p:pic>
+        <p:nvPicPr>
+          <p:cNvPr id="195" name="Google Shape;195;p35"/>
+          <p:cNvPicPr preferRelativeResize="0"/>
+          <p:nvPr/>
+        </p:nvPicPr>
+        <p:blipFill>
+          <a:blip r:embed="rId3">
+            <a:alphaModFix/>
+          </a:blip>
+          <a:stretch>
+            <a:fillRect/>
+          </a:stretch>
+        </p:blipFill>
+        <p:spPr>
+          <a:xfrm>
+            <a:off x="2175474" y="1152475"/>
+            <a:ext cx="4404901" cy="3822100"/>
+          </a:xfrm>
+          <a:prstGeom prst="rect">
+            <a:avLst/>
+          </a:prstGeom>
+          <a:noFill/>
+          <a:ln>
+            <a:noFill/>
+          </a:ln>
+        </p:spPr>
+      </p:pic>
+    </p:spTree>
+  </p:cSld>
+  <p:clrMapOvr>
+    <a:masterClrMapping/>
+  </p:clrMapOvr>
+</p:sld>
+</file>
+
+<file path=ppt/slides/slide24.xml><?xml version="1.0" encoding="utf-8"?>
+<p:sld xmlns:a="http://schemas.openxmlformats.org/drawingml/2006/main" xmlns:r="http://schemas.openxmlformats.org/officeDocument/2006/relationships" xmlns:mc="http://schemas.openxmlformats.org/markup-compatibility/2006" xmlns:mv="urn:schemas-microsoft-com:mac:vml" xmlns:p="http://schemas.openxmlformats.org/presentationml/2006/main" xmlns:c="http://schemas.openxmlformats.org/drawingml/2006/chart" xmlns:dgm="http://schemas.openxmlformats.org/drawingml/2006/diagram" xmlns:o="urn:schemas-microsoft-com:office:office" xmlns:v="urn:schemas-microsoft-com:vml" xmlns:pvml="urn:schemas-microsoft-com:office:powerpoint" xmlns:com="http://schemas.openxmlformats.org/drawingml/2006/compatibility" xmlns:p14="http://schemas.microsoft.com/office/powerpoint/2010/main" xmlns:p15="http://schemas.microsoft.com/office/powerpoint/2012/main" xmlns:ahyp="http://schemas.microsoft.com/office/drawing/2018/hyperlinkcolor">
+  <p:cSld>
+    <p:spTree>
+      <p:nvGrpSpPr>
+        <p:cNvPr id="199" name="Shape 199"/>
+        <p:cNvGrpSpPr/>
+        <p:nvPr/>
+      </p:nvGrpSpPr>
+      <p:grpSpPr>
+        <a:xfrm>
+          <a:off x="0" y="0"/>
+          <a:ext cx="0" cy="0"/>
+          <a:chOff x="0" y="0"/>
+          <a:chExt cx="0" cy="0"/>
+        </a:xfrm>
+      </p:grpSpPr>
+      <p:sp>
+        <p:nvSpPr>
+          <p:cNvPr id="200" name="Google Shape;200;p36"/>
+          <p:cNvSpPr txBox="1"/>
+          <p:nvPr>
+            <p:ph type="title"/>
+          </p:nvPr>
+        </p:nvSpPr>
+        <p:spPr>
+          <a:xfrm>
+            <a:off x="311700" y="445025"/>
+            <a:ext cx="8520600" cy="572700"/>
+          </a:xfrm>
+          <a:prstGeom prst="rect">
+            <a:avLst/>
+          </a:prstGeom>
+        </p:spPr>
+        <p:txBody>
+          <a:bodyPr anchorCtr="0" anchor="t" bIns="91425" lIns="91425" spcFirstLastPara="1" rIns="91425" wrap="square" tIns="91425">
+            <a:noAutofit/>
+          </a:bodyPr>
+          <a:lstStyle/>
+          <a:p>
+            <a:pPr indent="0" lvl="0" marL="0" rtl="0" algn="l">
+              <a:spcBef>
+                <a:spcPts val="0"/>
+              </a:spcBef>
+              <a:spcAft>
+                <a:spcPts val="0"/>
+              </a:spcAft>
+              <a:buNone/>
+            </a:pPr>
+            <a:r>
+              <a:rPr lang="ru"/>
+              <a:t>Магические методы.</a:t>
+            </a:r>
+            <a:endParaRPr/>
+          </a:p>
+        </p:txBody>
+      </p:sp>
+      <p:pic>
+        <p:nvPicPr>
+          <p:cNvPr id="201" name="Google Shape;201;p36"/>
+          <p:cNvPicPr preferRelativeResize="0"/>
+          <p:nvPr/>
+        </p:nvPicPr>
+        <p:blipFill>
+          <a:blip r:embed="rId3">
+            <a:alphaModFix/>
+          </a:blip>
+          <a:stretch>
+            <a:fillRect/>
+          </a:stretch>
+        </p:blipFill>
+        <p:spPr>
+          <a:xfrm>
+            <a:off x="2632675" y="1241300"/>
+            <a:ext cx="3204900" cy="3820975"/>
+          </a:xfrm>
+          <a:prstGeom prst="rect">
+            <a:avLst/>
+          </a:prstGeom>
+          <a:noFill/>
+          <a:ln>
+            <a:noFill/>
+          </a:ln>
+        </p:spPr>
+      </p:pic>
+    </p:spTree>
+  </p:cSld>
+  <p:clrMapOvr>
+    <a:masterClrMapping/>
+  </p:clrMapOvr>
+</p:sld>
+</file>
+
+<file path=ppt/slides/slide25.xml><?xml version="1.0" encoding="utf-8"?>
+<p:sld xmlns:a="http://schemas.openxmlformats.org/drawingml/2006/main" xmlns:r="http://schemas.openxmlformats.org/officeDocument/2006/relationships" xmlns:mc="http://schemas.openxmlformats.org/markup-compatibility/2006" xmlns:mv="urn:schemas-microsoft-com:mac:vml" xmlns:p="http://schemas.openxmlformats.org/presentationml/2006/main" xmlns:c="http://schemas.openxmlformats.org/drawingml/2006/chart" xmlns:dgm="http://schemas.openxmlformats.org/drawingml/2006/diagram" xmlns:o="urn:schemas-microsoft-com:office:office" xmlns:v="urn:schemas-microsoft-com:vml" xmlns:pvml="urn:schemas-microsoft-com:office:powerpoint" xmlns:com="http://schemas.openxmlformats.org/drawingml/2006/compatibility" xmlns:p14="http://schemas.microsoft.com/office/powerpoint/2010/main" xmlns:p15="http://schemas.microsoft.com/office/powerpoint/2012/main" xmlns:ahyp="http://schemas.microsoft.com/office/drawing/2018/hyperlinkcolor">
+  <p:cSld>
+    <p:spTree>
+      <p:nvGrpSpPr>
+        <p:cNvPr id="205" name="Shape 205"/>
+        <p:cNvGrpSpPr/>
+        <p:nvPr/>
+      </p:nvGrpSpPr>
+      <p:grpSpPr>
+        <a:xfrm>
+          <a:off x="0" y="0"/>
+          <a:ext cx="0" cy="0"/>
+          <a:chOff x="0" y="0"/>
+          <a:chExt cx="0" cy="0"/>
+        </a:xfrm>
+      </p:grpSpPr>
+      <p:sp>
+        <p:nvSpPr>
+          <p:cNvPr id="206" name="Google Shape;206;p37"/>
+          <p:cNvSpPr txBox="1"/>
+          <p:nvPr>
+            <p:ph type="title"/>
+          </p:nvPr>
+        </p:nvSpPr>
+        <p:spPr>
+          <a:xfrm>
+            <a:off x="311700" y="426875"/>
+            <a:ext cx="8520600" cy="572700"/>
+          </a:xfrm>
+          <a:prstGeom prst="rect">
+            <a:avLst/>
+          </a:prstGeom>
+        </p:spPr>
+        <p:txBody>
+          <a:bodyPr anchorCtr="0" anchor="t" bIns="91425" lIns="91425" spcFirstLastPara="1" rIns="91425" wrap="square" tIns="91425">
+            <a:noAutofit/>
+          </a:bodyPr>
+          <a:lstStyle/>
+          <a:p>
+            <a:pPr indent="0" lvl="0" marL="0" rtl="0" algn="l">
+              <a:spcBef>
+                <a:spcPts val="0"/>
+              </a:spcBef>
+              <a:spcAft>
+                <a:spcPts val="0"/>
+              </a:spcAft>
+              <a:buClr>
+                <a:schemeClr val="dk1"/>
+              </a:buClr>
+              <a:buSzPts val="1100"/>
+              <a:buFont typeface="Arial"/>
+              <a:buNone/>
+            </a:pPr>
+            <a:r>
+              <a:rPr lang="ru"/>
+              <a:t>Магические методы.</a:t>
+            </a:r>
+            <a:endParaRPr/>
+          </a:p>
+        </p:txBody>
+      </p:sp>
+      <p:pic>
+        <p:nvPicPr>
+          <p:cNvPr id="207" name="Google Shape;207;p37"/>
+          <p:cNvPicPr preferRelativeResize="0"/>
+          <p:nvPr/>
+        </p:nvPicPr>
+        <p:blipFill>
+          <a:blip r:embed="rId3">
+            <a:alphaModFix/>
+          </a:blip>
+          <a:stretch>
+            <a:fillRect/>
+          </a:stretch>
+        </p:blipFill>
+        <p:spPr>
+          <a:xfrm>
+            <a:off x="2205725" y="1088800"/>
+            <a:ext cx="4515098" cy="3820976"/>
+          </a:xfrm>
+          <a:prstGeom prst="rect">
+            <a:avLst/>
+          </a:prstGeom>
+          <a:noFill/>
+          <a:ln>
+            <a:noFill/>
+          </a:ln>
+        </p:spPr>
+      </p:pic>
+    </p:spTree>
+  </p:cSld>
+  <p:clrMapOvr>
+    <a:masterClrMapping/>
+  </p:clrMapOvr>
+</p:sld>
+</file>
+
+<file path=ppt/slides/slide26.xml><?xml version="1.0" encoding="utf-8"?>
+<p:sld xmlns:a="http://schemas.openxmlformats.org/drawingml/2006/main" xmlns:r="http://schemas.openxmlformats.org/officeDocument/2006/relationships" xmlns:mc="http://schemas.openxmlformats.org/markup-compatibility/2006" xmlns:mv="urn:schemas-microsoft-com:mac:vml" xmlns:p="http://schemas.openxmlformats.org/presentationml/2006/main" xmlns:c="http://schemas.openxmlformats.org/drawingml/2006/chart" xmlns:dgm="http://schemas.openxmlformats.org/drawingml/2006/diagram" xmlns:o="urn:schemas-microsoft-com:office:office" xmlns:v="urn:schemas-microsoft-com:vml" xmlns:pvml="urn:schemas-microsoft-com:office:powerpoint" xmlns:com="http://schemas.openxmlformats.org/drawingml/2006/compatibility" xmlns:p14="http://schemas.microsoft.com/office/powerpoint/2010/main" xmlns:p15="http://schemas.microsoft.com/office/powerpoint/2012/main" xmlns:ahyp="http://schemas.microsoft.com/office/drawing/2018/hyperlinkcolor">
+  <p:cSld>
+    <p:spTree>
+      <p:nvGrpSpPr>
+        <p:cNvPr id="211" name="Shape 211"/>
+        <p:cNvGrpSpPr/>
+        <p:nvPr/>
+      </p:nvGrpSpPr>
+      <p:grpSpPr>
+        <a:xfrm>
+          <a:off x="0" y="0"/>
+          <a:ext cx="0" cy="0"/>
+          <a:chOff x="0" y="0"/>
+          <a:chExt cx="0" cy="0"/>
+        </a:xfrm>
+      </p:grpSpPr>
+      <p:sp>
+        <p:nvSpPr>
+          <p:cNvPr id="212" name="Google Shape;212;p38"/>
+          <p:cNvSpPr txBox="1"/>
+          <p:nvPr>
+            <p:ph type="title"/>
+          </p:nvPr>
+        </p:nvSpPr>
+        <p:spPr>
+          <a:xfrm>
+            <a:off x="311700" y="445025"/>
+            <a:ext cx="8520600" cy="572700"/>
+          </a:xfrm>
+          <a:prstGeom prst="rect">
+            <a:avLst/>
+          </a:prstGeom>
+        </p:spPr>
+        <p:txBody>
+          <a:bodyPr anchorCtr="0" anchor="t" bIns="91425" lIns="91425" spcFirstLastPara="1" rIns="91425" wrap="square" tIns="91425">
+            <a:noAutofit/>
+          </a:bodyPr>
+          <a:lstStyle/>
+          <a:p>
+            <a:pPr indent="0" lvl="0" marL="0" rtl="0" algn="l">
+              <a:spcBef>
+                <a:spcPts val="0"/>
+              </a:spcBef>
+              <a:spcAft>
+                <a:spcPts val="0"/>
+              </a:spcAft>
+              <a:buNone/>
+            </a:pPr>
+            <a:r>
+              <a:rPr lang="ru"/>
+              <a:t>Освобождение ресурсов - garbage collector.</a:t>
+            </a:r>
+            <a:endParaRPr/>
+          </a:p>
+        </p:txBody>
+      </p:sp>
+      <p:sp>
+        <p:nvSpPr>
+          <p:cNvPr id="213" name="Google Shape;213;p38"/>
+          <p:cNvSpPr txBox="1"/>
+          <p:nvPr>
+            <p:ph idx="1" type="body"/>
+          </p:nvPr>
+        </p:nvSpPr>
+        <p:spPr>
+          <a:xfrm>
+            <a:off x="311700" y="1152475"/>
+            <a:ext cx="8520600" cy="3416400"/>
+          </a:xfrm>
+          <a:prstGeom prst="rect">
+            <a:avLst/>
+          </a:prstGeom>
+        </p:spPr>
+        <p:txBody>
+          <a:bodyPr anchorCtr="0" anchor="t" bIns="91425" lIns="91425" spcFirstLastPara="1" rIns="91425" wrap="square" tIns="91425">
+            <a:noAutofit/>
+          </a:bodyPr>
+          <a:lstStyle/>
+          <a:p>
+            <a:pPr indent="0" lvl="0" marL="0" rtl="0" algn="l">
+              <a:spcBef>
+                <a:spcPts val="0"/>
+              </a:spcBef>
+              <a:spcAft>
+                <a:spcPts val="0"/>
+              </a:spcAft>
+              <a:buNone/>
+            </a:pPr>
+            <a:r>
+              <a:rPr lang="ru"/>
+              <a:t>В python реализован алгоритм сборки мусора, который удаляет объекты( освобождает память занятую этими объектами) из памяти. Такими образом вам не нужно заботиться об утечках памяти, до тех пор </a:t>
+            </a:r>
+            <a:r>
+              <a:rPr b="1" lang="ru"/>
+              <a:t>пока вы сами ее не сделаете. </a:t>
+            </a:r>
+            <a:endParaRPr b="1"/>
+          </a:p>
+          <a:p>
+            <a:pPr indent="0" lvl="0" marL="0" rtl="0" algn="l">
+              <a:spcBef>
+                <a:spcPts val="1600"/>
+              </a:spcBef>
+              <a:spcAft>
+                <a:spcPts val="0"/>
+              </a:spcAft>
+              <a:buNone/>
+            </a:pPr>
+            <a:r>
+              <a:t/>
+            </a:r>
+            <a:endParaRPr/>
+          </a:p>
+          <a:p>
+            <a:pPr indent="0" lvl="0" marL="0" rtl="0" algn="l">
+              <a:spcBef>
+                <a:spcPts val="1600"/>
+              </a:spcBef>
+              <a:spcAft>
+                <a:spcPts val="0"/>
+              </a:spcAft>
+              <a:buNone/>
+            </a:pPr>
+            <a:r>
+              <a:t/>
+            </a:r>
+            <a:endParaRPr/>
+          </a:p>
+          <a:p>
+            <a:pPr indent="0" lvl="0" marL="0" rtl="0" algn="l">
+              <a:spcBef>
+                <a:spcPts val="1600"/>
+              </a:spcBef>
+              <a:spcAft>
+                <a:spcPts val="0"/>
+              </a:spcAft>
+              <a:buNone/>
+            </a:pPr>
+            <a:r>
+              <a:t/>
+            </a:r>
+            <a:endParaRPr/>
+          </a:p>
+          <a:p>
+            <a:pPr indent="0" lvl="0" marL="0" rtl="0" algn="l">
+              <a:spcBef>
+                <a:spcPts val="1600"/>
+              </a:spcBef>
+              <a:spcAft>
+                <a:spcPts val="1600"/>
+              </a:spcAft>
+              <a:buNone/>
+            </a:pPr>
+            <a:r>
+              <a:rPr lang="ru"/>
+              <a:t>Об алгоритме можно почитать </a:t>
+            </a:r>
+            <a:r>
+              <a:rPr lang="ru" u="sng">
+                <a:solidFill>
+                  <a:schemeClr val="hlink"/>
+                </a:solidFill>
+                <a:hlinkClick r:id="rId3"/>
+              </a:rPr>
+              <a:t>здесь</a:t>
+            </a:r>
+            <a:r>
+              <a:rPr lang="ru"/>
+              <a:t> </a:t>
+            </a:r>
+            <a:endParaRPr/>
+          </a:p>
+        </p:txBody>
+      </p:sp>
+    </p:spTree>
+  </p:cSld>
+  <p:clrMapOvr>
+    <a:masterClrMapping/>
+  </p:clrMapOvr>
+</p:sld>
+</file>
+
+<file path=ppt/slides/slide27.xml><?xml version="1.0" encoding="utf-8"?>
+<p:sld xmlns:a="http://schemas.openxmlformats.org/drawingml/2006/main" xmlns:r="http://schemas.openxmlformats.org/officeDocument/2006/relationships" xmlns:mc="http://schemas.openxmlformats.org/markup-compatibility/2006" xmlns:mv="urn:schemas-microsoft-com:mac:vml" xmlns:p="http://schemas.openxmlformats.org/presentationml/2006/main" xmlns:c="http://schemas.openxmlformats.org/drawingml/2006/chart" xmlns:dgm="http://schemas.openxmlformats.org/drawingml/2006/diagram" xmlns:o="urn:schemas-microsoft-com:office:office" xmlns:v="urn:schemas-microsoft-com:vml" xmlns:pvml="urn:schemas-microsoft-com:office:powerpoint" xmlns:com="http://schemas.openxmlformats.org/drawingml/2006/compatibility" xmlns:p14="http://schemas.microsoft.com/office/powerpoint/2010/main" xmlns:p15="http://schemas.microsoft.com/office/powerpoint/2012/main" xmlns:ahyp="http://schemas.microsoft.com/office/drawing/2018/hyperlinkcolor">
+  <p:cSld>
+    <p:spTree>
+      <p:nvGrpSpPr>
+        <p:cNvPr id="217" name="Shape 217"/>
+        <p:cNvGrpSpPr/>
+        <p:nvPr/>
+      </p:nvGrpSpPr>
+      <p:grpSpPr>
+        <a:xfrm>
+          <a:off x="0" y="0"/>
+          <a:ext cx="0" cy="0"/>
+          <a:chOff x="0" y="0"/>
+          <a:chExt cx="0" cy="0"/>
+        </a:xfrm>
+      </p:grpSpPr>
+      <p:sp>
+        <p:nvSpPr>
+          <p:cNvPr id="218" name="Google Shape;218;p39"/>
+          <p:cNvSpPr txBox="1"/>
+          <p:nvPr>
+            <p:ph type="title"/>
+          </p:nvPr>
+        </p:nvSpPr>
+        <p:spPr>
+          <a:xfrm>
+            <a:off x="311700" y="445025"/>
+            <a:ext cx="8520600" cy="572700"/>
+          </a:xfrm>
+          <a:prstGeom prst="rect">
+            <a:avLst/>
+          </a:prstGeom>
+        </p:spPr>
+        <p:txBody>
+          <a:bodyPr anchorCtr="0" anchor="t" bIns="91425" lIns="91425" spcFirstLastPara="1" rIns="91425" wrap="square" tIns="91425">
+            <a:noAutofit/>
+          </a:bodyPr>
+          <a:lstStyle/>
+          <a:p>
+            <a:pPr indent="0" lvl="0" marL="0" rtl="0" algn="l">
+              <a:spcBef>
+                <a:spcPts val="0"/>
+              </a:spcBef>
+              <a:spcAft>
+                <a:spcPts val="0"/>
+              </a:spcAft>
+              <a:buClr>
+                <a:schemeClr val="dk1"/>
+              </a:buClr>
+              <a:buSzPts val="1100"/>
+              <a:buFont typeface="Arial"/>
+              <a:buNone/>
+            </a:pPr>
+            <a:r>
+              <a:rPr lang="ru"/>
+              <a:t>Освобождение ресурсов - garbage collector.</a:t>
+            </a:r>
+            <a:endParaRPr/>
+          </a:p>
+        </p:txBody>
+      </p:sp>
+      <p:sp>
+        <p:nvSpPr>
+          <p:cNvPr id="219" name="Google Shape;219;p39"/>
+          <p:cNvSpPr txBox="1"/>
+          <p:nvPr>
+            <p:ph idx="1" type="body"/>
+          </p:nvPr>
+        </p:nvSpPr>
+        <p:spPr>
+          <a:xfrm>
+            <a:off x="311700" y="1152475"/>
+            <a:ext cx="8520600" cy="3416400"/>
+          </a:xfrm>
+          <a:prstGeom prst="rect">
+            <a:avLst/>
+          </a:prstGeom>
+        </p:spPr>
+        <p:txBody>
+          <a:bodyPr anchorCtr="0" anchor="t" bIns="91425" lIns="91425" spcFirstLastPara="1" rIns="91425" wrap="square" tIns="91425">
+            <a:noAutofit/>
+          </a:bodyPr>
+          <a:lstStyle/>
+          <a:p>
+            <a:pPr indent="0" lvl="0" marL="0" rtl="0" algn="l">
+              <a:spcBef>
+                <a:spcPts val="0"/>
+              </a:spcBef>
+              <a:spcAft>
+                <a:spcPts val="0"/>
+              </a:spcAft>
+              <a:buNone/>
+            </a:pPr>
+            <a:r>
+              <a:rPr lang="ru"/>
+              <a:t>На самом деле алгоритма 2</a:t>
+            </a:r>
+            <a:endParaRPr/>
+          </a:p>
+          <a:p>
+            <a:pPr indent="0" lvl="0" marL="0" rtl="0" algn="l">
+              <a:spcBef>
+                <a:spcPts val="1600"/>
+              </a:spcBef>
+              <a:spcAft>
+                <a:spcPts val="0"/>
+              </a:spcAft>
+              <a:buNone/>
+            </a:pPr>
+            <a:r>
+              <a:rPr lang="ru"/>
+              <a:t>1. Подсчет ссылок</a:t>
+            </a:r>
+            <a:endParaRPr/>
+          </a:p>
+          <a:p>
+            <a:pPr indent="0" lvl="0" marL="0" rtl="0" algn="l">
+              <a:spcBef>
+                <a:spcPts val="1600"/>
+              </a:spcBef>
+              <a:spcAft>
+                <a:spcPts val="1600"/>
+              </a:spcAft>
+              <a:buNone/>
+            </a:pPr>
+            <a:r>
+              <a:rPr lang="ru"/>
+              <a:t>2. Сканирование на наличее циклических ссылок</a:t>
+            </a:r>
+            <a:endParaRPr/>
+          </a:p>
+        </p:txBody>
+      </p:sp>
+      <p:pic>
+        <p:nvPicPr>
+          <p:cNvPr id="220" name="Google Shape;220;p39"/>
+          <p:cNvPicPr preferRelativeResize="0"/>
+          <p:nvPr/>
+        </p:nvPicPr>
+        <p:blipFill>
+          <a:blip r:embed="rId3">
+            <a:alphaModFix/>
+          </a:blip>
+          <a:stretch>
+            <a:fillRect/>
+          </a:stretch>
+        </p:blipFill>
+        <p:spPr>
+          <a:xfrm>
+            <a:off x="5330650" y="2746563"/>
+            <a:ext cx="2914650" cy="1724025"/>
+          </a:xfrm>
+          <a:prstGeom prst="rect">
+            <a:avLst/>
+          </a:prstGeom>
+          <a:noFill/>
+          <a:ln>
+            <a:noFill/>
+          </a:ln>
+        </p:spPr>
+      </p:pic>
+    </p:spTree>
+  </p:cSld>
+  <p:clrMapOvr>
+    <a:masterClrMapping/>
+  </p:clrMapOvr>
+</p:sld>
+</file>
+
+<file path=ppt/slides/slide28.xml><?xml version="1.0" encoding="utf-8"?>
+<p:sld xmlns:a="http://schemas.openxmlformats.org/drawingml/2006/main" xmlns:r="http://schemas.openxmlformats.org/officeDocument/2006/relationships" xmlns:mc="http://schemas.openxmlformats.org/markup-compatibility/2006" xmlns:mv="urn:schemas-microsoft-com:mac:vml" xmlns:p="http://schemas.openxmlformats.org/presentationml/2006/main" xmlns:c="http://schemas.openxmlformats.org/drawingml/2006/chart" xmlns:dgm="http://schemas.openxmlformats.org/drawingml/2006/diagram" xmlns:o="urn:schemas-microsoft-com:office:office" xmlns:v="urn:schemas-microsoft-com:vml" xmlns:pvml="urn:schemas-microsoft-com:office:powerpoint" xmlns:com="http://schemas.openxmlformats.org/drawingml/2006/compatibility" xmlns:p14="http://schemas.microsoft.com/office/powerpoint/2010/main" xmlns:p15="http://schemas.microsoft.com/office/powerpoint/2012/main" xmlns:ahyp="http://schemas.microsoft.com/office/drawing/2018/hyperlinkcolor">
+  <p:cSld>
+    <p:spTree>
+      <p:nvGrpSpPr>
+        <p:cNvPr id="224" name="Shape 224"/>
+        <p:cNvGrpSpPr/>
+        <p:nvPr/>
+      </p:nvGrpSpPr>
+      <p:grpSpPr>
+        <a:xfrm>
+          <a:off x="0" y="0"/>
+          <a:ext cx="0" cy="0"/>
+          <a:chOff x="0" y="0"/>
+          <a:chExt cx="0" cy="0"/>
+        </a:xfrm>
+      </p:grpSpPr>
+      <p:sp>
+        <p:nvSpPr>
+          <p:cNvPr id="225" name="Google Shape;225;p40"/>
           <p:cNvSpPr txBox="1"/>
           <p:nvPr>
             <p:ph type="title"/>
@@ -9615,7 +11795,7 @@
                 <a:spcPts val="0"/>
               </a:spcAft>
               <a:buClr>
-                <a:schemeClr val="dk1"/>
+                <a:srgbClr val="666666"/>
               </a:buClr>
               <a:buSzPts val="1400"/>
               <a:buChar char="●"/>
@@ -9623,14 +11803,14 @@
             <a:r>
               <a:rPr lang="ru" sz="1400">
                 <a:solidFill>
-                  <a:schemeClr val="dk1"/>
+                  <a:srgbClr val="666666"/>
                 </a:solidFill>
               </a:rPr>
-              <a:t>Инкапсуляция/сокрытие </a:t>
+              <a:t>Обработка исключительных ситуаций. </a:t>
             </a:r>
             <a:endParaRPr sz="1400">
               <a:solidFill>
-                <a:schemeClr val="dk1"/>
+                <a:srgbClr val="666666"/>
               </a:solidFill>
             </a:endParaRPr>
           </a:p>
@@ -9643,7 +11823,7 @@
                 <a:spcPts val="0"/>
               </a:spcAft>
               <a:buClr>
-                <a:schemeClr val="dk1"/>
+                <a:srgbClr val="666666"/>
               </a:buClr>
               <a:buSzPts val="1400"/>
               <a:buChar char="○"/>
@@ -9651,42 +11831,38 @@
             <a:r>
               <a:rPr lang="ru" sz="1400">
                 <a:solidFill>
-                  <a:schemeClr val="dk1"/>
+                  <a:srgbClr val="666666"/>
                 </a:solidFill>
               </a:rPr>
-              <a:t>реализации в Python. </a:t>
-            </a:r>
-            <a:endParaRPr sz="1400">
-              <a:solidFill>
-                <a:schemeClr val="dk1"/>
-              </a:solidFill>
-            </a:endParaRPr>
-          </a:p>
-          <a:p>
-            <a:pPr indent="-317500" lvl="0" marL="457200" rtl="0" algn="just">
-              <a:spcBef>
-                <a:spcPts val="0"/>
-              </a:spcBef>
-              <a:spcAft>
-                <a:spcPts val="0"/>
-              </a:spcAft>
-              <a:buClr>
-                <a:schemeClr val="dk1"/>
-              </a:buClr>
-              <a:buSzPts val="1400"/>
-              <a:buChar char="●"/>
-            </a:pPr>
-            <a:r>
-              <a:rPr lang="ru" sz="1400">
+              <a:t>Конструкция: </a:t>
+            </a:r>
+            <a:r>
+              <a:rPr b="1" lang="ru" sz="1400">
                 <a:solidFill>
-                  <a:schemeClr val="dk1"/>
+                  <a:srgbClr val="666666"/>
                 </a:solidFill>
               </a:rPr>
-              <a:t>Обработка исключительных ситуаций. </a:t>
-            </a:r>
-            <a:endParaRPr sz="1400">
+              <a:t>try … </a:t>
+            </a:r>
+            <a:r>
+              <a:rPr b="1" lang="ru">
+                <a:solidFill>
+                  <a:srgbClr val="666666"/>
+                </a:solidFill>
+              </a:rPr>
+              <a:t>except</a:t>
+            </a:r>
+            <a:r>
+              <a:rPr b="1" lang="ru" sz="1400">
+                <a:solidFill>
+                  <a:srgbClr val="666666"/>
+                </a:solidFill>
+              </a:rPr>
+              <a:t> … </a:t>
+            </a:r>
+            <a:endParaRPr b="1" sz="1400">
               <a:solidFill>
-                <a:schemeClr val="dk1"/>
+                <a:srgbClr val="666666"/>
               </a:solidFill>
             </a:endParaRPr>
           </a:p>
@@ -9699,30 +11875,30 @@
                 <a:spcPts val="0"/>
               </a:spcAft>
               <a:buClr>
-                <a:schemeClr val="dk1"/>
+                <a:srgbClr val="666666"/>
               </a:buClr>
               <a:buSzPts val="1400"/>
               <a:buChar char="○"/>
             </a:pPr>
             <a:r>
-              <a:rPr lang="ru" sz="1400">
+              <a:rPr lang="ru">
                 <a:solidFill>
-                  <a:schemeClr val="dk1"/>
+                  <a:srgbClr val="666666"/>
                 </a:solidFill>
               </a:rPr>
               <a:t>Конструкция: </a:t>
             </a:r>
             <a:r>
-              <a:rPr b="1" lang="ru" sz="1400">
+              <a:rPr b="1" lang="ru">
                 <a:solidFill>
-                  <a:schemeClr val="dk1"/>
+                  <a:srgbClr val="666666"/>
                 </a:solidFill>
               </a:rPr>
-              <a:t>try … catch … </a:t>
-            </a:r>
-            <a:endParaRPr b="1" sz="1400">
+              <a:t>try … except … finally</a:t>
+            </a:r>
+            <a:endParaRPr b="1">
               <a:solidFill>
-                <a:schemeClr val="dk1"/>
+                <a:srgbClr val="666666"/>
               </a:solidFill>
             </a:endParaRPr>
           </a:p>
@@ -9735,7 +11911,7 @@
                 <a:spcPts val="0"/>
               </a:spcAft>
               <a:buClr>
-                <a:schemeClr val="dk1"/>
+                <a:srgbClr val="666666"/>
               </a:buClr>
               <a:buSzPts val="1400"/>
               <a:buChar char="○"/>
@@ -9743,12 +11919,119 @@
             <a:r>
               <a:rPr lang="ru" sz="1400">
                 <a:solidFill>
-                  <a:schemeClr val="dk1"/>
+                  <a:srgbClr val="666666"/>
                 </a:solidFill>
               </a:rPr>
               <a:t>Пользовательские классы исключений</a:t>
             </a:r>
-            <a:endParaRPr/>
+            <a:endParaRPr sz="1400">
+              <a:solidFill>
+                <a:srgbClr val="666666"/>
+              </a:solidFill>
+            </a:endParaRPr>
+          </a:p>
+          <a:p>
+            <a:pPr indent="-342900" lvl="0" marL="457200" rtl="0" algn="just">
+              <a:spcBef>
+                <a:spcPts val="0"/>
+              </a:spcBef>
+              <a:spcAft>
+                <a:spcPts val="0"/>
+              </a:spcAft>
+              <a:buClr>
+                <a:srgbClr val="666666"/>
+              </a:buClr>
+              <a:buSzPts val="1800"/>
+              <a:buChar char="●"/>
+            </a:pPr>
+            <a:r>
+              <a:rPr lang="ru">
+                <a:solidFill>
+                  <a:srgbClr val="666666"/>
+                </a:solidFill>
+              </a:rPr>
+              <a:t>Форматирование строк</a:t>
+            </a:r>
+            <a:endParaRPr>
+              <a:solidFill>
+                <a:srgbClr val="666666"/>
+              </a:solidFill>
+            </a:endParaRPr>
+          </a:p>
+          <a:p>
+            <a:pPr indent="-342900" lvl="0" marL="457200" rtl="0" algn="just">
+              <a:spcBef>
+                <a:spcPts val="0"/>
+              </a:spcBef>
+              <a:spcAft>
+                <a:spcPts val="0"/>
+              </a:spcAft>
+              <a:buClr>
+                <a:srgbClr val="666666"/>
+              </a:buClr>
+              <a:buSzPts val="1800"/>
+              <a:buChar char="●"/>
+            </a:pPr>
+            <a:r>
+              <a:rPr lang="ru">
+                <a:solidFill>
+                  <a:srgbClr val="666666"/>
+                </a:solidFill>
+              </a:rPr>
+              <a:t>Магические методы</a:t>
+            </a:r>
+            <a:endParaRPr>
+              <a:solidFill>
+                <a:srgbClr val="666666"/>
+              </a:solidFill>
+            </a:endParaRPr>
+          </a:p>
+          <a:p>
+            <a:pPr indent="-342900" lvl="0" marL="457200" rtl="0" algn="just">
+              <a:spcBef>
+                <a:spcPts val="0"/>
+              </a:spcBef>
+              <a:spcAft>
+                <a:spcPts val="0"/>
+              </a:spcAft>
+              <a:buClr>
+                <a:srgbClr val="666666"/>
+              </a:buClr>
+              <a:buSzPts val="1800"/>
+              <a:buChar char="●"/>
+            </a:pPr>
+            <a:r>
+              <a:rPr lang="ru">
+                <a:solidFill>
+                  <a:srgbClr val="666666"/>
+                </a:solidFill>
+              </a:rPr>
+              <a:t>Сборка мусора</a:t>
+            </a:r>
+            <a:endParaRPr>
+              <a:solidFill>
+                <a:srgbClr val="666666"/>
+              </a:solidFill>
+            </a:endParaRPr>
+          </a:p>
+          <a:p>
+            <a:pPr indent="0" lvl="0" marL="457200" rtl="0" algn="just">
+              <a:spcBef>
+                <a:spcPts val="0"/>
+              </a:spcBef>
+              <a:spcAft>
+                <a:spcPts val="0"/>
+              </a:spcAft>
+              <a:buNone/>
+            </a:pPr>
+            <a:r>
+              <a:t/>
+            </a:r>
+            <a:endParaRPr>
+              <a:solidFill>
+                <a:srgbClr val="666666"/>
+              </a:solidFill>
+            </a:endParaRPr>
           </a:p>
         </p:txBody>
       </p:sp>
@@ -9807,16 +12090,11 @@
               <a:spcAft>
                 <a:spcPts val="0"/>
               </a:spcAft>
-              <a:buClr>
-                <a:schemeClr val="dk1"/>
-              </a:buClr>
-              <a:buSzPts val="1100"/>
-              <a:buFont typeface="Arial"/>
               <a:buNone/>
             </a:pPr>
             <a:r>
               <a:rPr lang="ru"/>
-              <a:t>ООП принципы</a:t>
+              <a:t>Обработка аварийных/исключительных ситуаций.</a:t>
             </a:r>
             <a:endParaRPr/>
           </a:p>
@@ -9845,104 +12123,26 @@
           </a:bodyPr>
           <a:lstStyle/>
           <a:p>
-            <a:pPr indent="-342900" lvl="0" marL="457200" rtl="0" algn="l">
-              <a:spcBef>
-                <a:spcPts val="0"/>
-              </a:spcBef>
-              <a:spcAft>
-                <a:spcPts val="0"/>
-              </a:spcAft>
-              <a:buSzPts val="1800"/>
-              <a:buChar char="●"/>
+            <a:pPr indent="0" lvl="0" marL="0" rtl="0" algn="l">
+              <a:spcBef>
+                <a:spcPts val="0"/>
+              </a:spcBef>
+              <a:spcAft>
+                <a:spcPts val="1600"/>
+              </a:spcAft>
+              <a:buNone/>
             </a:pPr>
             <a:r>
               <a:rPr lang="ru"/>
-              <a:t>Наследование</a:t>
-            </a:r>
-            <a:endParaRPr/>
-          </a:p>
-          <a:p>
-            <a:pPr indent="-317500" lvl="1" marL="914400" rtl="0" algn="l">
-              <a:spcBef>
-                <a:spcPts val="0"/>
-              </a:spcBef>
-              <a:spcAft>
-                <a:spcPts val="0"/>
-              </a:spcAft>
-              <a:buSzPts val="1400"/>
-              <a:buChar char="○"/>
-            </a:pPr>
+              <a:t>Для того чтобы стабилизировать кодовую базу и предотвратить аварийные выходы программы, в том числе в связи с неправильными данными. Язык Python предоставляет программистам возможность </a:t>
+            </a:r>
             <a:r>
               <a:rPr lang="ru"/>
-              <a:t>Возможность создание новых типов данных базирующихся на других, ранее определенных</a:t>
-            </a:r>
-            <a:endParaRPr/>
-          </a:p>
-          <a:p>
-            <a:pPr indent="-342900" lvl="0" marL="457200" rtl="0" algn="l">
-              <a:spcBef>
-                <a:spcPts val="0"/>
-              </a:spcBef>
-              <a:spcAft>
-                <a:spcPts val="0"/>
-              </a:spcAft>
-              <a:buSzPts val="1800"/>
-              <a:buChar char="●"/>
-            </a:pPr>
+              <a:t>обрабатывать</a:t>
+            </a:r>
             <a:r>
               <a:rPr lang="ru"/>
-              <a:t>Полиморфизм</a:t>
-            </a:r>
-            <a:endParaRPr/>
-          </a:p>
-          <a:p>
-            <a:pPr indent="-317500" lvl="1" marL="914400" rtl="0" algn="l">
-              <a:spcBef>
-                <a:spcPts val="0"/>
-              </a:spcBef>
-              <a:spcAft>
-                <a:spcPts val="0"/>
-              </a:spcAft>
-              <a:buSzPts val="1400"/>
-              <a:buChar char="○"/>
-            </a:pPr>
-            <a:r>
-              <a:rPr lang="ru"/>
-              <a:t>Возможность переопределения поведения базовых свойств объекта (свойств унаследованных от объектов предков)</a:t>
-            </a:r>
-            <a:endParaRPr/>
-          </a:p>
-          <a:p>
-            <a:pPr indent="-342900" lvl="0" marL="457200" rtl="0" algn="l">
-              <a:spcBef>
-                <a:spcPts val="0"/>
-              </a:spcBef>
-              <a:spcAft>
-                <a:spcPts val="0"/>
-              </a:spcAft>
-              <a:buSzPts val="1800"/>
-              <a:buChar char="●"/>
-            </a:pPr>
-            <a:r>
-              <a:rPr lang="ru"/>
-              <a:t>Инкапсуляция</a:t>
-            </a:r>
-            <a:endParaRPr/>
-          </a:p>
-          <a:p>
-            <a:pPr indent="-317500" lvl="1" marL="914400" rtl="0" algn="l">
-              <a:spcBef>
-                <a:spcPts val="0"/>
-              </a:spcBef>
-              <a:spcAft>
-                <a:spcPts val="0"/>
-              </a:spcAft>
-              <a:buSzPts val="1400"/>
-              <a:buChar char="○"/>
-            </a:pPr>
-            <a:r>
-              <a:rPr lang="ru"/>
-              <a:t>Возможность скрывать реализацию тех или иных свойств объекта от конечного пользователя</a:t>
+              <a:t> аварийные ситуации с помощью механизма перехвата исключений.</a:t>
             </a:r>
             <a:endParaRPr/>
           </a:p>
@@ -10007,7 +12207,7 @@
             </a:pPr>
             <a:r>
               <a:rPr lang="ru"/>
-              <a:t>Инкапсуляция</a:t>
+              <a:t>Обработка аварийных/исключительных ситуаций.</a:t>
             </a:r>
             <a:endParaRPr/>
           </a:p>
@@ -10029,8 +12229,8 @@
         </p:blipFill>
         <p:spPr>
           <a:xfrm>
-            <a:off x="1820262" y="1738850"/>
-            <a:ext cx="5503474" cy="3095701"/>
+            <a:off x="152400" y="1048950"/>
+            <a:ext cx="8839201" cy="1937359"/>
           </a:xfrm>
           <a:prstGeom prst="rect">
             <a:avLst/>
@@ -10041,16 +12241,24 @@
           </a:ln>
         </p:spPr>
       </p:pic>
-      <p:sp>
-        <p:nvSpPr>
+      <p:pic>
+        <p:nvPicPr>
           <p:cNvPr id="97" name="Google Shape;97;p20"/>
-          <p:cNvSpPr txBox="1"/>
+          <p:cNvPicPr preferRelativeResize="0"/>
           <p:nvPr/>
-        </p:nvSpPr>
-        <p:spPr>
-          <a:xfrm>
-            <a:off x="435700" y="1087550"/>
-            <a:ext cx="8009100" cy="478500"/>
+        </p:nvPicPr>
+        <p:blipFill>
+          <a:blip r:embed="rId4">
+            <a:alphaModFix/>
+          </a:blip>
+          <a:stretch>
+            <a:fillRect/>
+          </a:stretch>
+        </p:blipFill>
+        <p:spPr>
+          <a:xfrm>
+            <a:off x="323400" y="3114459"/>
+            <a:ext cx="8497205" cy="1852391"/>
           </a:xfrm>
           <a:prstGeom prst="rect">
             <a:avLst/>
@@ -10060,29 +12268,7 @@
             <a:noFill/>
           </a:ln>
         </p:spPr>
-        <p:txBody>
-          <a:bodyPr anchorCtr="0" anchor="t" bIns="91425" lIns="91425" spcFirstLastPara="1" rIns="91425" wrap="square" tIns="91425">
-            <a:noAutofit/>
-          </a:bodyPr>
-          <a:lstStyle/>
-          <a:p>
-            <a:pPr indent="0" lvl="0" marL="0" rtl="0" algn="l">
-              <a:spcBef>
-                <a:spcPts val="0"/>
-              </a:spcBef>
-              <a:spcAft>
-                <a:spcPts val="0"/>
-              </a:spcAft>
-              <a:buNone/>
-            </a:pPr>
-            <a:r>
-              <a:rPr lang="ru"/>
-              <a:t>Свойства языка, позволяющее скрыть реализацию или данные от конечного пользователя.</a:t>
-            </a:r>
-            <a:endParaRPr/>
-          </a:p>
-        </p:txBody>
-      </p:sp>
+      </p:pic>
     </p:spTree>
   </p:cSld>
   <p:clrMapOvr>
@@ -10138,39 +12324,26 @@
               <a:spcAft>
                 <a:spcPts val="0"/>
               </a:spcAft>
-              <a:buClr>
-                <a:schemeClr val="dk1"/>
-              </a:buClr>
-              <a:buSzPts val="1100"/>
-              <a:buFont typeface="Arial"/>
               <a:buNone/>
             </a:pPr>
             <a:r>
               <a:rPr lang="ru"/>
-              <a:t>Инкапсуляция</a:t>
+              <a:t>Конструкция: try … except …</a:t>
             </a:r>
             <a:endParaRPr/>
           </a:p>
         </p:txBody>
       </p:sp>
-      <p:pic>
-        <p:nvPicPr>
+      <p:sp>
+        <p:nvSpPr>
           <p:cNvPr id="103" name="Google Shape;103;p21"/>
-          <p:cNvPicPr preferRelativeResize="0"/>
+          <p:cNvSpPr txBox="1"/>
           <p:nvPr/>
-        </p:nvPicPr>
-        <p:blipFill>
-          <a:blip r:embed="rId3">
-            <a:alphaModFix/>
-          </a:blip>
-          <a:stretch>
-            <a:fillRect/>
-          </a:stretch>
-        </p:blipFill>
-        <p:spPr>
-          <a:xfrm>
-            <a:off x="2000175" y="1158000"/>
-            <a:ext cx="3799629" cy="3820975"/>
+        </p:nvSpPr>
+        <p:spPr>
+          <a:xfrm>
+            <a:off x="429625" y="1287475"/>
+            <a:ext cx="8451300" cy="2124000"/>
           </a:xfrm>
           <a:prstGeom prst="rect">
             <a:avLst/>
@@ -10180,7 +12353,173 @@
             <a:noFill/>
           </a:ln>
         </p:spPr>
-      </p:pic>
+        <p:txBody>
+          <a:bodyPr anchorCtr="0" anchor="t" bIns="91425" lIns="91425" spcFirstLastPara="1" rIns="91425" wrap="square" tIns="91425">
+            <a:spAutoFit/>
+          </a:bodyPr>
+          <a:lstStyle/>
+          <a:p>
+            <a:pPr indent="0" lvl="0" marL="0" rtl="0" algn="l">
+              <a:spcBef>
+                <a:spcPts val="0"/>
+              </a:spcBef>
+              <a:spcAft>
+                <a:spcPts val="0"/>
+              </a:spcAft>
+              <a:buNone/>
+            </a:pPr>
+            <a:r>
+              <a:rPr lang="ru" sz="1800">
+                <a:solidFill>
+                  <a:srgbClr val="666666"/>
+                </a:solidFill>
+              </a:rPr>
+              <a:t>Для того чтобы перехватить исключение в </a:t>
+            </a:r>
+            <a:r>
+              <a:rPr lang="ru" sz="1800">
+                <a:solidFill>
+                  <a:srgbClr val="666666"/>
+                </a:solidFill>
+              </a:rPr>
+              <a:t>программном</a:t>
+            </a:r>
+            <a:r>
+              <a:rPr lang="ru" sz="1800">
+                <a:solidFill>
+                  <a:srgbClr val="666666"/>
+                </a:solidFill>
+              </a:rPr>
+              <a:t> блоке блок помещается внутрь конструкции</a:t>
+            </a:r>
+            <a:endParaRPr sz="1800">
+              <a:solidFill>
+                <a:srgbClr val="666666"/>
+              </a:solidFill>
+            </a:endParaRPr>
+          </a:p>
+          <a:p>
+            <a:pPr indent="0" lvl="0" marL="0" rtl="0" algn="l">
+              <a:spcBef>
+                <a:spcPts val="0"/>
+              </a:spcBef>
+              <a:spcAft>
+                <a:spcPts val="0"/>
+              </a:spcAft>
+              <a:buNone/>
+            </a:pPr>
+            <a:r>
+              <a:rPr lang="ru" sz="1800">
+                <a:solidFill>
+                  <a:srgbClr val="666666"/>
+                </a:solidFill>
+              </a:rPr>
+              <a:t> </a:t>
+            </a:r>
+            <a:endParaRPr sz="1800">
+              <a:solidFill>
+                <a:srgbClr val="666666"/>
+              </a:solidFill>
+            </a:endParaRPr>
+          </a:p>
+          <a:p>
+            <a:pPr indent="0" lvl="0" marL="2789999" rtl="0" algn="l">
+              <a:spcBef>
+                <a:spcPts val="0"/>
+              </a:spcBef>
+              <a:spcAft>
+                <a:spcPts val="0"/>
+              </a:spcAft>
+              <a:buNone/>
+            </a:pPr>
+            <a:r>
+              <a:rPr lang="ru" sz="1800">
+                <a:solidFill>
+                  <a:srgbClr val="666666"/>
+                </a:solidFill>
+              </a:rPr>
+              <a:t>try:</a:t>
+            </a:r>
+            <a:endParaRPr sz="1800">
+              <a:solidFill>
+                <a:srgbClr val="666666"/>
+              </a:solidFill>
+            </a:endParaRPr>
+          </a:p>
+          <a:p>
+            <a:pPr indent="0" lvl="0" marL="2789999" rtl="0" algn="l">
+              <a:spcBef>
+                <a:spcPts val="0"/>
+              </a:spcBef>
+              <a:spcAft>
+                <a:spcPts val="0"/>
+              </a:spcAft>
+              <a:buNone/>
+            </a:pPr>
+            <a:r>
+              <a:rPr lang="ru" sz="1800">
+                <a:solidFill>
+                  <a:srgbClr val="666666"/>
+                </a:solidFill>
+              </a:rPr>
+              <a:t>    do_smth</a:t>
+            </a:r>
+            <a:endParaRPr sz="1800">
+              <a:solidFill>
+                <a:srgbClr val="666666"/>
+              </a:solidFill>
+            </a:endParaRPr>
+          </a:p>
+          <a:p>
+            <a:pPr indent="0" lvl="0" marL="2789999" rtl="0" algn="l">
+              <a:spcBef>
+                <a:spcPts val="0"/>
+              </a:spcBef>
+              <a:spcAft>
+                <a:spcPts val="0"/>
+              </a:spcAft>
+              <a:buNone/>
+            </a:pPr>
+            <a:r>
+              <a:rPr lang="ru" sz="1800">
+                <a:solidFill>
+                  <a:srgbClr val="666666"/>
+                </a:solidFill>
+              </a:rPr>
+              <a:t>except …:</a:t>
+            </a:r>
+            <a:endParaRPr sz="1800">
+              <a:solidFill>
+                <a:srgbClr val="666666"/>
+              </a:solidFill>
+            </a:endParaRPr>
+          </a:p>
+          <a:p>
+            <a:pPr indent="0" lvl="0" marL="2789999" rtl="0" algn="l">
+              <a:spcBef>
+                <a:spcPts val="0"/>
+              </a:spcBef>
+              <a:spcAft>
+                <a:spcPts val="0"/>
+              </a:spcAft>
+              <a:buNone/>
+            </a:pPr>
+            <a:r>
+              <a:rPr lang="ru" sz="1800">
+                <a:solidFill>
+                  <a:srgbClr val="666666"/>
+                </a:solidFill>
+              </a:rPr>
+              <a:t>    do_smth_if_exception</a:t>
+            </a:r>
+            <a:endParaRPr sz="1800">
+              <a:solidFill>
+                <a:srgbClr val="666666"/>
+              </a:solidFill>
+            </a:endParaRPr>
+          </a:p>
+        </p:txBody>
+      </p:sp>
     </p:spTree>
   </p:cSld>
   <p:clrMapOvr>
